--- a/EX_PANDAS06/DAY05/범죄율과 경제지표의 상관관계.pptx
+++ b/EX_PANDAS06/DAY05/범죄율과 경제지표의 상관관계.pptx
@@ -2,19 +2,20 @@
 <file path=ppt/presentation.xml><?xml version="1.0" encoding="utf-8"?>
 <p:presentation xmlns:a="http://schemas.openxmlformats.org/drawingml/2006/main" xmlns:r="http://schemas.openxmlformats.org/officeDocument/2006/relationships" xmlns:p="http://schemas.openxmlformats.org/presentationml/2006/main" saveSubsetFonts="1">
   <p:sldMasterIdLst>
-    <p:sldMasterId id="2147483648" r:id="rId1"/>
+    <p:sldMasterId id="2147483744" r:id="rId1"/>
   </p:sldMasterIdLst>
   <p:sldIdLst>
     <p:sldId id="262" r:id="rId2"/>
     <p:sldId id="263" r:id="rId3"/>
     <p:sldId id="264" r:id="rId4"/>
-    <p:sldId id="256" r:id="rId5"/>
+    <p:sldId id="266" r:id="rId5"/>
     <p:sldId id="259" r:id="rId6"/>
     <p:sldId id="261" r:id="rId7"/>
     <p:sldId id="265" r:id="rId8"/>
     <p:sldId id="257" r:id="rId9"/>
     <p:sldId id="260" r:id="rId10"/>
     <p:sldId id="258" r:id="rId11"/>
+    <p:sldId id="267" r:id="rId12"/>
   </p:sldIdLst>
   <p:sldSz cx="12192000" cy="6858000"/>
   <p:notesSz cx="6858000" cy="9144000"/>
@@ -113,6 +114,11 @@
       </a:defRPr>
     </a:lvl9pPr>
   </p:defaultTextStyle>
+  <p:extLst>
+    <p:ext uri="{EFAFB233-063F-42B5-8137-9DF3F51BA10A}">
+      <p15:sldGuideLst xmlns:p15="http://schemas.microsoft.com/office/powerpoint/2012/main"/>
+    </p:ext>
+  </p:extLst>
 </p:presentation>
 </file>
 
@@ -162,7 +168,7 @@
               </a:defRPr>
             </a:pPr>
             <a:r>
-              <a:rPr lang="ko-KR"/>
+              <a:rPr lang="ko-KR" altLang="en-US" dirty="0"/>
               <a:t>범죄율과 실업률의 상관관계</a:t>
             </a:r>
           </a:p>
@@ -205,22 +211,22 @@
         <c:grouping val="clustered"/>
         <c:varyColors val="0"/>
         <c:ser>
-          <c:idx val="3"/>
-          <c:order val="3"/>
+          <c:idx val="2"/>
+          <c:order val="2"/>
           <c:tx>
             <c:strRef>
-              <c:f>Sheet1!$E$1</c:f>
+              <c:f>Sheet1!$D$1</c:f>
               <c:strCache>
                 <c:ptCount val="1"/>
                 <c:pt idx="0">
-                  <c:v>2020실업률</c:v>
+                  <c:v>2021실업률증강률</c:v>
                 </c:pt>
               </c:strCache>
             </c:strRef>
           </c:tx>
           <c:spPr>
             <a:solidFill>
-              <a:schemeClr val="accent4"/>
+              <a:schemeClr val="bg2"/>
             </a:solidFill>
             <a:ln>
               <a:noFill/>
@@ -289,89 +295,87 @@
           </c:cat>
           <c:val>
             <c:numRef>
-              <c:f>Sheet1!$E$2:$E$18</c:f>
+              <c:f>Sheet1!$D$2:$D$18</c:f>
               <c:numCache>
-                <c:formatCode>#,##0.0</c:formatCode>
+                <c:formatCode>General</c:formatCode>
                 <c:ptCount val="17"/>
                 <c:pt idx="0">
-                  <c:v>4.5999999999999996</c:v>
+                  <c:v>0.2</c:v>
                 </c:pt>
                 <c:pt idx="1">
-                  <c:v>4.2</c:v>
+                  <c:v>-0.8</c:v>
                 </c:pt>
                 <c:pt idx="2">
-                  <c:v>3.9</c:v>
+                  <c:v>-0.2</c:v>
                 </c:pt>
                 <c:pt idx="3">
-                  <c:v>4.5999999999999996</c:v>
+                  <c:v>-0.6</c:v>
                 </c:pt>
                 <c:pt idx="4">
-                  <c:v>3.9</c:v>
+                  <c:v>-0.3</c:v>
                 </c:pt>
                 <c:pt idx="5">
-                  <c:v>4.4000000000000004</c:v>
+                  <c:v>-1.1000000000000001</c:v>
                 </c:pt>
                 <c:pt idx="6">
-                  <c:v>4.2</c:v>
+                  <c:v>-0.6</c:v>
                 </c:pt>
                 <c:pt idx="7">
-                  <c:v>2.8</c:v>
+                  <c:v>-0.7</c:v>
                 </c:pt>
                 <c:pt idx="8">
-                  <c:v>4</c:v>
+                  <c:v>-0.3</c:v>
                 </c:pt>
                 <c:pt idx="9">
-                  <c:v>3.9</c:v>
+                  <c:v>-0.3</c:v>
                 </c:pt>
                 <c:pt idx="10">
-                  <c:v>3.2</c:v>
+                  <c:v>-0.7</c:v>
                 </c:pt>
                 <c:pt idx="11">
-                  <c:v>3.5</c:v>
+                  <c:v>-1.2</c:v>
                 </c:pt>
                 <c:pt idx="12">
-                  <c:v>2.5</c:v>
+                  <c:v>-0.3</c:v>
                 </c:pt>
                 <c:pt idx="13">
-                  <c:v>2.4</c:v>
+                  <c:v>-0.1</c:v>
                 </c:pt>
                 <c:pt idx="14">
-                  <c:v>4</c:v>
+                  <c:v>-0.8</c:v>
                 </c:pt>
                 <c:pt idx="15">
-                  <c:v>4</c:v>
+                  <c:v>0.1</c:v>
                 </c:pt>
                 <c:pt idx="16">
-                  <c:v>2.5</c:v>
+                  <c:v>0.6</c:v>
                 </c:pt>
               </c:numCache>
             </c:numRef>
           </c:val>
           <c:extLst>
             <c:ext xmlns:c16="http://schemas.microsoft.com/office/drawing/2014/chart" uri="{C3380CC4-5D6E-409C-BE32-E72D297353CC}">
-              <c16:uniqueId val="{00000006-96CD-4B87-BB8A-FE2677ACBF33}"/>
+              <c16:uniqueId val="{00000002-29A2-4ECB-BEA7-963A5A4566F6}"/>
             </c:ext>
           </c:extLst>
         </c:ser>
         <c:ser>
-          <c:idx val="4"/>
-          <c:order val="4"/>
+          <c:idx val="3"/>
+          <c:order val="3"/>
           <c:tx>
             <c:strRef>
-              <c:f>Sheet1!$F$1</c:f>
+              <c:f>Sheet1!$E$1</c:f>
               <c:strCache>
                 <c:ptCount val="1"/>
                 <c:pt idx="0">
-                  <c:v>2021실업률</c:v>
+                  <c:v>2022실업률증강률</c:v>
                 </c:pt>
               </c:strCache>
             </c:strRef>
           </c:tx>
           <c:spPr>
             <a:solidFill>
-              <a:schemeClr val="bg1">
-                <a:lumMod val="85000"/>
-              </a:schemeClr>
+              <a:srgbClr val="FFC000"/>
             </a:solidFill>
             <a:ln>
               <a:noFill/>
@@ -440,216 +444,67 @@
           </c:cat>
           <c:val>
             <c:numRef>
-              <c:f>Sheet1!$F$2:$F$18</c:f>
+              <c:f>Sheet1!$E$2:$E$18</c:f>
               <c:numCache>
-                <c:formatCode>#,##0.0</c:formatCode>
+                <c:formatCode>General</c:formatCode>
                 <c:ptCount val="17"/>
                 <c:pt idx="0">
-                  <c:v>4.8</c:v>
+                  <c:v>-1.4</c:v>
                 </c:pt>
                 <c:pt idx="1">
-                  <c:v>3.4</c:v>
+                  <c:v>-0.4</c:v>
                 </c:pt>
                 <c:pt idx="2">
-                  <c:v>3.7</c:v>
+                  <c:v>-0.8</c:v>
                 </c:pt>
                 <c:pt idx="3">
-                  <c:v>4</c:v>
+                  <c:v>-0.7</c:v>
                 </c:pt>
                 <c:pt idx="4">
-                  <c:v>3.6</c:v>
+                  <c:v>-0.7</c:v>
                 </c:pt>
                 <c:pt idx="5">
-                  <c:v>3.3</c:v>
+                  <c:v>-0.9</c:v>
                 </c:pt>
                 <c:pt idx="6">
-                  <c:v>3.6</c:v>
+                  <c:v>-0.4</c:v>
                 </c:pt>
                 <c:pt idx="7">
-                  <c:v>2.1</c:v>
+                  <c:v>-0.1</c:v>
                 </c:pt>
                 <c:pt idx="8">
-                  <c:v>3.7</c:v>
+                  <c:v>-1</c:v>
                 </c:pt>
                 <c:pt idx="9">
-                  <c:v>3.6</c:v>
+                  <c:v>-0.4</c:v>
                 </c:pt>
                 <c:pt idx="10">
-                  <c:v>2.5</c:v>
+                  <c:v>0</c:v>
                 </c:pt>
                 <c:pt idx="11">
-                  <c:v>2.2999999999999998</c:v>
+                  <c:v>0</c:v>
                 </c:pt>
                 <c:pt idx="12">
-                  <c:v>2.2000000000000002</c:v>
+                  <c:v>0.2</c:v>
                 </c:pt>
                 <c:pt idx="13">
-                  <c:v>2.2999999999999998</c:v>
+                  <c:v>-0.1</c:v>
                 </c:pt>
                 <c:pt idx="14">
-                  <c:v>3.2</c:v>
+                  <c:v>-0.7</c:v>
                 </c:pt>
                 <c:pt idx="15">
-                  <c:v>4.0999999999999996</c:v>
+                  <c:v>-0.8</c:v>
                 </c:pt>
                 <c:pt idx="16">
-                  <c:v>3.1</c:v>
+                  <c:v>-1</c:v>
                 </c:pt>
               </c:numCache>
             </c:numRef>
           </c:val>
           <c:extLst>
             <c:ext xmlns:c16="http://schemas.microsoft.com/office/drawing/2014/chart" uri="{C3380CC4-5D6E-409C-BE32-E72D297353CC}">
-              <c16:uniqueId val="{00000007-96CD-4B87-BB8A-FE2677ACBF33}"/>
-            </c:ext>
-          </c:extLst>
-        </c:ser>
-        <c:ser>
-          <c:idx val="5"/>
-          <c:order val="5"/>
-          <c:tx>
-            <c:strRef>
-              <c:f>Sheet1!$G$1</c:f>
-              <c:strCache>
-                <c:ptCount val="1"/>
-                <c:pt idx="0">
-                  <c:v>2022실업률</c:v>
-                </c:pt>
-              </c:strCache>
-            </c:strRef>
-          </c:tx>
-          <c:spPr>
-            <a:solidFill>
-              <a:schemeClr val="accent6"/>
-            </a:solidFill>
-            <a:ln>
-              <a:noFill/>
-            </a:ln>
-            <a:effectLst/>
-          </c:spPr>
-          <c:invertIfNegative val="0"/>
-          <c:cat>
-            <c:strRef>
-              <c:f>Sheet1!$A$2:$A$18</c:f>
-              <c:strCache>
-                <c:ptCount val="17"/>
-                <c:pt idx="0">
-                  <c:v>서울</c:v>
-                </c:pt>
-                <c:pt idx="1">
-                  <c:v>부산</c:v>
-                </c:pt>
-                <c:pt idx="2">
-                  <c:v>대구</c:v>
-                </c:pt>
-                <c:pt idx="3">
-                  <c:v>인천</c:v>
-                </c:pt>
-                <c:pt idx="4">
-                  <c:v>광주</c:v>
-                </c:pt>
-                <c:pt idx="5">
-                  <c:v>대전</c:v>
-                </c:pt>
-                <c:pt idx="6">
-                  <c:v>울산</c:v>
-                </c:pt>
-                <c:pt idx="7">
-                  <c:v>세종</c:v>
-                </c:pt>
-                <c:pt idx="8">
-                  <c:v>경기</c:v>
-                </c:pt>
-                <c:pt idx="9">
-                  <c:v>강원</c:v>
-                </c:pt>
-                <c:pt idx="10">
-                  <c:v>충북</c:v>
-                </c:pt>
-                <c:pt idx="11">
-                  <c:v>충남</c:v>
-                </c:pt>
-                <c:pt idx="12">
-                  <c:v>전북</c:v>
-                </c:pt>
-                <c:pt idx="13">
-                  <c:v>전남</c:v>
-                </c:pt>
-                <c:pt idx="14">
-                  <c:v>경북</c:v>
-                </c:pt>
-                <c:pt idx="15">
-                  <c:v>경남</c:v>
-                </c:pt>
-                <c:pt idx="16">
-                  <c:v>제주</c:v>
-                </c:pt>
-              </c:strCache>
-            </c:strRef>
-          </c:cat>
-          <c:val>
-            <c:numRef>
-              <c:f>Sheet1!$G$2:$G$18</c:f>
-              <c:numCache>
-                <c:formatCode>#,##0.0</c:formatCode>
-                <c:ptCount val="17"/>
-                <c:pt idx="0">
-                  <c:v>3.4</c:v>
-                </c:pt>
-                <c:pt idx="1">
-                  <c:v>3</c:v>
-                </c:pt>
-                <c:pt idx="2">
-                  <c:v>2.9</c:v>
-                </c:pt>
-                <c:pt idx="3">
-                  <c:v>3.3</c:v>
-                </c:pt>
-                <c:pt idx="4">
-                  <c:v>2.9</c:v>
-                </c:pt>
-                <c:pt idx="5">
-                  <c:v>2.4</c:v>
-                </c:pt>
-                <c:pt idx="6">
-                  <c:v>3.2</c:v>
-                </c:pt>
-                <c:pt idx="7">
-                  <c:v>2</c:v>
-                </c:pt>
-                <c:pt idx="8">
-                  <c:v>2.7</c:v>
-                </c:pt>
-                <c:pt idx="9">
-                  <c:v>3.2</c:v>
-                </c:pt>
-                <c:pt idx="10">
-                  <c:v>2.5</c:v>
-                </c:pt>
-                <c:pt idx="11">
-                  <c:v>2.2999999999999998</c:v>
-                </c:pt>
-                <c:pt idx="12">
-                  <c:v>2.4</c:v>
-                </c:pt>
-                <c:pt idx="13">
-                  <c:v>2.2000000000000002</c:v>
-                </c:pt>
-                <c:pt idx="14">
-                  <c:v>2.5</c:v>
-                </c:pt>
-                <c:pt idx="15">
-                  <c:v>3.3</c:v>
-                </c:pt>
-                <c:pt idx="16">
-                  <c:v>2.1</c:v>
-                </c:pt>
-              </c:numCache>
-            </c:numRef>
-          </c:val>
-          <c:extLst>
-            <c:ext xmlns:c16="http://schemas.microsoft.com/office/drawing/2014/chart" uri="{C3380CC4-5D6E-409C-BE32-E72D297353CC}">
-              <c16:uniqueId val="{00000008-96CD-4B87-BB8A-FE2677ACBF33}"/>
+              <c16:uniqueId val="{00000004-29A2-4ECB-BEA7-963A5A4566F6}"/>
             </c:ext>
           </c:extLst>
         </c:ser>
@@ -662,8 +517,8 @@
           <c:showBubbleSize val="0"/>
         </c:dLbls>
         <c:gapWidth val="219"/>
-        <c:axId val="322735344"/>
-        <c:axId val="322729104"/>
+        <c:axId val="682639183"/>
+        <c:axId val="682639599"/>
       </c:barChart>
       <c:lineChart>
         <c:grouping val="standard"/>
@@ -677,7 +532,7 @@
               <c:strCache>
                 <c:ptCount val="1"/>
                 <c:pt idx="0">
-                  <c:v>2020범죄율</c:v>
+                  <c:v>2021범죄율증강량</c:v>
                 </c:pt>
               </c:strCache>
             </c:strRef>
@@ -685,37 +540,27 @@
           <c:spPr>
             <a:ln w="28575" cap="rnd">
               <a:solidFill>
-                <a:schemeClr val="accent4"/>
+                <a:schemeClr val="bg2"/>
               </a:solidFill>
               <a:round/>
             </a:ln>
-            <a:effectLst>
-              <a:outerShdw blurRad="152400" dist="317500" dir="5400000" sx="90000" sy="-19000" rotWithShape="0">
-                <a:prstClr val="black">
-                  <a:alpha val="15000"/>
-                </a:prstClr>
-              </a:outerShdw>
-            </a:effectLst>
+            <a:effectLst/>
           </c:spPr>
           <c:marker>
             <c:symbol val="circle"/>
             <c:size val="5"/>
             <c:spPr>
               <a:solidFill>
-                <a:schemeClr val="accent4"/>
+                <a:schemeClr val="bg1">
+                  <a:lumMod val="50000"/>
+                </a:schemeClr>
               </a:solidFill>
               <a:ln w="9525">
                 <a:solidFill>
-                  <a:schemeClr val="accent4"/>
+                  <a:schemeClr val="bg2"/>
                 </a:solidFill>
               </a:ln>
-              <a:effectLst>
-                <a:outerShdw blurRad="152400" dist="317500" dir="5400000" sx="90000" sy="-19000" rotWithShape="0">
-                  <a:prstClr val="black">
-                    <a:alpha val="15000"/>
-                  </a:prstClr>
-                </a:outerShdw>
-              </a:effectLst>
+              <a:effectLst/>
             </c:spPr>
           </c:marker>
           <c:cat>
@@ -781,58 +626,58 @@
             <c:numRef>
               <c:f>Sheet1!$B$2:$B$18</c:f>
               <c:numCache>
-                <c:formatCode>#,##0</c:formatCode>
+                <c:formatCode>General</c:formatCode>
                 <c:ptCount val="17"/>
-                <c:pt idx="0" formatCode="#,##0.0">
-                  <c:v>3292.4</c:v>
+                <c:pt idx="0">
+                  <c:v>-402.3</c:v>
                 </c:pt>
                 <c:pt idx="1">
-                  <c:v>3764</c:v>
-                </c:pt>
-                <c:pt idx="2" formatCode="#,##0.0">
-                  <c:v>3274.2</c:v>
-                </c:pt>
-                <c:pt idx="3" formatCode="#,##0.0">
-                  <c:v>3273.7</c:v>
-                </c:pt>
-                <c:pt idx="4" formatCode="#,##0.0">
-                  <c:v>3439.1</c:v>
-                </c:pt>
-                <c:pt idx="5" formatCode="#,##0.0">
-                  <c:v>3207.9</c:v>
-                </c:pt>
-                <c:pt idx="6" formatCode="#,##0.0">
-                  <c:v>2192.8000000000002</c:v>
-                </c:pt>
-                <c:pt idx="7" formatCode="#,##0.0">
-                  <c:v>1869.1</c:v>
-                </c:pt>
-                <c:pt idx="8" formatCode="#,##0.0">
-                  <c:v>3198.7</c:v>
-                </c:pt>
-                <c:pt idx="9" formatCode="#,##0.0">
-                  <c:v>3340.9</c:v>
-                </c:pt>
-                <c:pt idx="10" formatCode="#,##0.0">
-                  <c:v>3226.1</c:v>
-                </c:pt>
-                <c:pt idx="11" formatCode="#,##0.0">
-                  <c:v>3387.4</c:v>
-                </c:pt>
-                <c:pt idx="12" formatCode="#,##0.0">
-                  <c:v>3115.7</c:v>
-                </c:pt>
-                <c:pt idx="13" formatCode="#,##0.0">
-                  <c:v>3642.8</c:v>
-                </c:pt>
-                <c:pt idx="14" formatCode="#,##0.0">
-                  <c:v>3174.6</c:v>
-                </c:pt>
-                <c:pt idx="15" formatCode="#,##0.0">
-                  <c:v>3694.6</c:v>
-                </c:pt>
-                <c:pt idx="16" formatCode="#,##0.0">
-                  <c:v>4342.5</c:v>
+                  <c:v>-374.6</c:v>
+                </c:pt>
+                <c:pt idx="2">
+                  <c:v>-241.6</c:v>
+                </c:pt>
+                <c:pt idx="3">
+                  <c:v>-376.1</c:v>
+                </c:pt>
+                <c:pt idx="4">
+                  <c:v>-344.6</c:v>
+                </c:pt>
+                <c:pt idx="5">
+                  <c:v>-321.3</c:v>
+                </c:pt>
+                <c:pt idx="6">
+                  <c:v>-100.9</c:v>
+                </c:pt>
+                <c:pt idx="7">
+                  <c:v>-216.2</c:v>
+                </c:pt>
+                <c:pt idx="8">
+                  <c:v>-338.5</c:v>
+                </c:pt>
+                <c:pt idx="9">
+                  <c:v>-390.1</c:v>
+                </c:pt>
+                <c:pt idx="10">
+                  <c:v>-282.60000000000002</c:v>
+                </c:pt>
+                <c:pt idx="11">
+                  <c:v>-401</c:v>
+                </c:pt>
+                <c:pt idx="12">
+                  <c:v>-172.7</c:v>
+                </c:pt>
+                <c:pt idx="13">
+                  <c:v>-357.9</c:v>
+                </c:pt>
+                <c:pt idx="14">
+                  <c:v>-307.8</c:v>
+                </c:pt>
+                <c:pt idx="15">
+                  <c:v>-342.3</c:v>
+                </c:pt>
+                <c:pt idx="16">
+                  <c:v>-426.9</c:v>
                 </c:pt>
               </c:numCache>
             </c:numRef>
@@ -840,7 +685,7 @@
           <c:smooth val="0"/>
           <c:extLst>
             <c:ext xmlns:c16="http://schemas.microsoft.com/office/drawing/2014/chart" uri="{C3380CC4-5D6E-409C-BE32-E72D297353CC}">
-              <c16:uniqueId val="{00000000-96CD-4B87-BB8A-FE2677ACBF33}"/>
+              <c16:uniqueId val="{00000000-29A2-4ECB-BEA7-963A5A4566F6}"/>
             </c:ext>
           </c:extLst>
         </c:ser>
@@ -853,7 +698,7 @@
               <c:strCache>
                 <c:ptCount val="1"/>
                 <c:pt idx="0">
-                  <c:v>2021범죄율</c:v>
+                  <c:v>2022범죄율증강량</c:v>
                 </c:pt>
               </c:strCache>
             </c:strRef>
@@ -861,7 +706,7 @@
           <c:spPr>
             <a:ln w="28575" cap="rnd">
               <a:solidFill>
-                <a:schemeClr val="accent6"/>
+                <a:srgbClr val="FFC000"/>
               </a:solidFill>
               <a:round/>
             </a:ln>
@@ -872,11 +717,11 @@
             <c:size val="5"/>
             <c:spPr>
               <a:solidFill>
-                <a:schemeClr val="accent6"/>
+                <a:schemeClr val="tx1"/>
               </a:solidFill>
               <a:ln w="9525">
                 <a:solidFill>
-                  <a:schemeClr val="accent6"/>
+                  <a:srgbClr val="FFC000"/>
                 </a:solidFill>
               </a:ln>
               <a:effectLst/>
@@ -945,58 +790,58 @@
             <c:numRef>
               <c:f>Sheet1!$C$2:$C$18</c:f>
               <c:numCache>
-                <c:formatCode>#,##0.0</c:formatCode>
+                <c:formatCode>General</c:formatCode>
                 <c:ptCount val="17"/>
                 <c:pt idx="0">
-                  <c:v>2890.1</c:v>
+                  <c:v>244.1</c:v>
                 </c:pt>
                 <c:pt idx="1">
-                  <c:v>3389.4</c:v>
+                  <c:v>171.1</c:v>
                 </c:pt>
                 <c:pt idx="2">
-                  <c:v>3032.6</c:v>
+                  <c:v>-12.5</c:v>
                 </c:pt>
                 <c:pt idx="3">
-                  <c:v>2897.6</c:v>
+                  <c:v>175.3</c:v>
                 </c:pt>
                 <c:pt idx="4">
-                  <c:v>3094.5</c:v>
+                  <c:v>-92.3</c:v>
                 </c:pt>
                 <c:pt idx="5">
-                  <c:v>2886.6</c:v>
+                  <c:v>270.2</c:v>
                 </c:pt>
                 <c:pt idx="6">
-                  <c:v>2091.9</c:v>
+                  <c:v>-491.4</c:v>
                 </c:pt>
                 <c:pt idx="7">
-                  <c:v>1652.9</c:v>
+                  <c:v>147.69999999999999</c:v>
                 </c:pt>
                 <c:pt idx="8">
-                  <c:v>2860.2</c:v>
+                  <c:v>17.899999999999999</c:v>
                 </c:pt>
                 <c:pt idx="9">
-                  <c:v>2950.8</c:v>
+                  <c:v>45.5</c:v>
                 </c:pt>
                 <c:pt idx="10">
-                  <c:v>2943.5</c:v>
+                  <c:v>23.4</c:v>
                 </c:pt>
                 <c:pt idx="11">
-                  <c:v>2986.4</c:v>
-                </c:pt>
-                <c:pt idx="12" formatCode="#,##0">
-                  <c:v>2943</c:v>
+                  <c:v>208.5</c:v>
+                </c:pt>
+                <c:pt idx="12">
+                  <c:v>93.7</c:v>
                 </c:pt>
                 <c:pt idx="13">
-                  <c:v>3284.9</c:v>
+                  <c:v>101</c:v>
                 </c:pt>
                 <c:pt idx="14">
-                  <c:v>2866.8</c:v>
+                  <c:v>169.3</c:v>
                 </c:pt>
                 <c:pt idx="15">
-                  <c:v>3352.3</c:v>
+                  <c:v>46.2</c:v>
                 </c:pt>
                 <c:pt idx="16">
-                  <c:v>3915.6</c:v>
+                  <c:v>136.30000000000001</c:v>
                 </c:pt>
               </c:numCache>
             </c:numRef>
@@ -1004,208 +849,7 @@
           <c:smooth val="0"/>
           <c:extLst>
             <c:ext xmlns:c16="http://schemas.microsoft.com/office/drawing/2014/chart" uri="{C3380CC4-5D6E-409C-BE32-E72D297353CC}">
-              <c16:uniqueId val="{00000001-96CD-4B87-BB8A-FE2677ACBF33}"/>
-            </c:ext>
-          </c:extLst>
-        </c:ser>
-        <c:ser>
-          <c:idx val="2"/>
-          <c:order val="2"/>
-          <c:tx>
-            <c:strRef>
-              <c:f>Sheet1!$D$1</c:f>
-              <c:strCache>
-                <c:ptCount val="1"/>
-                <c:pt idx="0">
-                  <c:v>2022범죄율</c:v>
-                </c:pt>
-              </c:strCache>
-            </c:strRef>
-          </c:tx>
-          <c:spPr>
-            <a:ln w="28575" cap="rnd">
-              <a:solidFill>
-                <a:schemeClr val="accent3"/>
-              </a:solidFill>
-              <a:round/>
-            </a:ln>
-            <a:effectLst/>
-          </c:spPr>
-          <c:marker>
-            <c:symbol val="circle"/>
-            <c:size val="5"/>
-            <c:spPr>
-              <a:solidFill>
-                <a:schemeClr val="bg1">
-                  <a:lumMod val="65000"/>
-                </a:schemeClr>
-              </a:solidFill>
-              <a:ln w="9525">
-                <a:solidFill>
-                  <a:schemeClr val="accent3"/>
-                </a:solidFill>
-              </a:ln>
-              <a:effectLst/>
-            </c:spPr>
-          </c:marker>
-          <c:dPt>
-            <c:idx val="0"/>
-            <c:marker>
-              <c:symbol val="circle"/>
-              <c:size val="5"/>
-              <c:spPr>
-                <a:solidFill>
-                  <a:schemeClr val="bg1">
-                    <a:lumMod val="65000"/>
-                  </a:schemeClr>
-                </a:solidFill>
-                <a:ln w="9525">
-                  <a:solidFill>
-                    <a:schemeClr val="accent3"/>
-                  </a:solidFill>
-                </a:ln>
-                <a:effectLst/>
-              </c:spPr>
-            </c:marker>
-            <c:bubble3D val="0"/>
-            <c:spPr>
-              <a:ln w="28575" cap="rnd">
-                <a:solidFill>
-                  <a:schemeClr val="accent3"/>
-                </a:solidFill>
-                <a:round/>
-              </a:ln>
-              <a:effectLst/>
-            </c:spPr>
-            <c:extLst>
-              <c:ext xmlns:c16="http://schemas.microsoft.com/office/drawing/2014/chart" uri="{C3380CC4-5D6E-409C-BE32-E72D297353CC}">
-                <c16:uniqueId val="{00000009-96CD-4B87-BB8A-FE2677ACBF33}"/>
-              </c:ext>
-            </c:extLst>
-          </c:dPt>
-          <c:cat>
-            <c:strRef>
-              <c:f>Sheet1!$A$2:$A$18</c:f>
-              <c:strCache>
-                <c:ptCount val="17"/>
-                <c:pt idx="0">
-                  <c:v>서울</c:v>
-                </c:pt>
-                <c:pt idx="1">
-                  <c:v>부산</c:v>
-                </c:pt>
-                <c:pt idx="2">
-                  <c:v>대구</c:v>
-                </c:pt>
-                <c:pt idx="3">
-                  <c:v>인천</c:v>
-                </c:pt>
-                <c:pt idx="4">
-                  <c:v>광주</c:v>
-                </c:pt>
-                <c:pt idx="5">
-                  <c:v>대전</c:v>
-                </c:pt>
-                <c:pt idx="6">
-                  <c:v>울산</c:v>
-                </c:pt>
-                <c:pt idx="7">
-                  <c:v>세종</c:v>
-                </c:pt>
-                <c:pt idx="8">
-                  <c:v>경기</c:v>
-                </c:pt>
-                <c:pt idx="9">
-                  <c:v>강원</c:v>
-                </c:pt>
-                <c:pt idx="10">
-                  <c:v>충북</c:v>
-                </c:pt>
-                <c:pt idx="11">
-                  <c:v>충남</c:v>
-                </c:pt>
-                <c:pt idx="12">
-                  <c:v>전북</c:v>
-                </c:pt>
-                <c:pt idx="13">
-                  <c:v>전남</c:v>
-                </c:pt>
-                <c:pt idx="14">
-                  <c:v>경북</c:v>
-                </c:pt>
-                <c:pt idx="15">
-                  <c:v>경남</c:v>
-                </c:pt>
-                <c:pt idx="16">
-                  <c:v>제주</c:v>
-                </c:pt>
-              </c:strCache>
-            </c:strRef>
-          </c:cat>
-          <c:val>
-            <c:numRef>
-              <c:f>Sheet1!$D$2:$D$18</c:f>
-              <c:numCache>
-                <c:formatCode>#,##0.0</c:formatCode>
-                <c:ptCount val="17"/>
-                <c:pt idx="0">
-                  <c:v>3134.2</c:v>
-                </c:pt>
-                <c:pt idx="1">
-                  <c:v>3560.5</c:v>
-                </c:pt>
-                <c:pt idx="2">
-                  <c:v>3020.1</c:v>
-                </c:pt>
-                <c:pt idx="3">
-                  <c:v>3072.9</c:v>
-                </c:pt>
-                <c:pt idx="4">
-                  <c:v>3002.2</c:v>
-                </c:pt>
-                <c:pt idx="5">
-                  <c:v>3156.8</c:v>
-                </c:pt>
-                <c:pt idx="6">
-                  <c:v>1600.5</c:v>
-                </c:pt>
-                <c:pt idx="7">
-                  <c:v>1800.6</c:v>
-                </c:pt>
-                <c:pt idx="8">
-                  <c:v>2878.1</c:v>
-                </c:pt>
-                <c:pt idx="9">
-                  <c:v>2996.3</c:v>
-                </c:pt>
-                <c:pt idx="10">
-                  <c:v>2966.9</c:v>
-                </c:pt>
-                <c:pt idx="11">
-                  <c:v>3194.9</c:v>
-                </c:pt>
-                <c:pt idx="12">
-                  <c:v>3036.7</c:v>
-                </c:pt>
-                <c:pt idx="13">
-                  <c:v>3385.9</c:v>
-                </c:pt>
-                <c:pt idx="14">
-                  <c:v>3036.1</c:v>
-                </c:pt>
-                <c:pt idx="15">
-                  <c:v>3398.5</c:v>
-                </c:pt>
-                <c:pt idx="16">
-                  <c:v>4051.9</c:v>
-                </c:pt>
-              </c:numCache>
-            </c:numRef>
-          </c:val>
-          <c:smooth val="0"/>
-          <c:extLst>
-            <c:ext xmlns:c16="http://schemas.microsoft.com/office/drawing/2014/chart" uri="{C3380CC4-5D6E-409C-BE32-E72D297353CC}">
-              <c16:uniqueId val="{00000002-96CD-4B87-BB8A-FE2677ACBF33}"/>
+              <c16:uniqueId val="{00000001-29A2-4ECB-BEA7-963A5A4566F6}"/>
             </c:ext>
           </c:extLst>
         </c:ser>
@@ -1219,11 +863,11 @@
         </c:dLbls>
         <c:marker val="1"/>
         <c:smooth val="0"/>
-        <c:axId val="602380544"/>
-        <c:axId val="602381376"/>
+        <c:axId val="902913967"/>
+        <c:axId val="902915631"/>
       </c:lineChart>
       <c:catAx>
-        <c:axId val="322735344"/>
+        <c:axId val="682639183"/>
         <c:scaling>
           <c:orientation val="minMax"/>
         </c:scaling>
@@ -1266,7 +910,7 @@
             <a:endParaRPr lang="ko-KR"/>
           </a:p>
         </c:txPr>
-        <c:crossAx val="322729104"/>
+        <c:crossAx val="682639599"/>
         <c:crosses val="autoZero"/>
         <c:auto val="1"/>
         <c:lblAlgn val="ctr"/>
@@ -1274,7 +918,7 @@
         <c:noMultiLvlLbl val="0"/>
       </c:catAx>
       <c:valAx>
-        <c:axId val="322729104"/>
+        <c:axId val="682639599"/>
         <c:scaling>
           <c:orientation val="minMax"/>
         </c:scaling>
@@ -1294,7 +938,7 @@
             <a:effectLst/>
           </c:spPr>
         </c:majorGridlines>
-        <c:numFmt formatCode="#,##0.0" sourceLinked="1"/>
+        <c:numFmt formatCode="General" sourceLinked="1"/>
         <c:majorTickMark val="none"/>
         <c:minorTickMark val="none"/>
         <c:tickLblPos val="nextTo"/>
@@ -1325,18 +969,18 @@
             <a:endParaRPr lang="ko-KR"/>
           </a:p>
         </c:txPr>
-        <c:crossAx val="322735344"/>
+        <c:crossAx val="682639183"/>
         <c:crosses val="autoZero"/>
         <c:crossBetween val="between"/>
       </c:valAx>
       <c:valAx>
-        <c:axId val="602381376"/>
+        <c:axId val="902915631"/>
         <c:scaling>
           <c:orientation val="minMax"/>
         </c:scaling>
         <c:delete val="0"/>
         <c:axPos val="r"/>
-        <c:numFmt formatCode="#,##0.0" sourceLinked="1"/>
+        <c:numFmt formatCode="General" sourceLinked="1"/>
         <c:majorTickMark val="out"/>
         <c:minorTickMark val="none"/>
         <c:tickLblPos val="nextTo"/>
@@ -1367,12 +1011,12 @@
             <a:endParaRPr lang="ko-KR"/>
           </a:p>
         </c:txPr>
-        <c:crossAx val="602380544"/>
+        <c:crossAx val="902913967"/>
         <c:crosses val="max"/>
         <c:crossBetween val="between"/>
       </c:valAx>
       <c:catAx>
-        <c:axId val="602380544"/>
+        <c:axId val="902913967"/>
         <c:scaling>
           <c:orientation val="minMax"/>
         </c:scaling>
@@ -1382,7 +1026,7 @@
         <c:majorTickMark val="out"/>
         <c:minorTickMark val="none"/>
         <c:tickLblPos val="nextTo"/>
-        <c:crossAx val="602381376"/>
+        <c:crossAx val="902915631"/>
         <c:auto val="1"/>
         <c:lblAlgn val="ctr"/>
         <c:lblOffset val="100"/>
@@ -1390,11 +1034,8 @@
       </c:catAx>
       <c:spPr>
         <a:noFill/>
-        <a:ln cmpd="sng">
-          <a:solidFill>
-            <a:schemeClr val="accent1"/>
-          </a:solidFill>
-          <a:round/>
+        <a:ln>
+          <a:noFill/>
         </a:ln>
         <a:effectLst/>
       </c:spPr>
@@ -1481,16 +1122,30 @@
     <c:title>
       <c:tx>
         <c:rich>
-          <a:bodyPr rot="0" spcFirstLastPara="1" vertOverflow="ellipsis" vert="horz" wrap="square" anchor="ctr" anchorCtr="1"/>
+          <a:bodyPr rot="0" spcFirstLastPara="1" vertOverflow="ellipsis" vert="horz" wrap="square" anchor="t" anchorCtr="0"/>
           <a:lstStyle/>
           <a:p>
-            <a:pPr>
+            <a:pPr marL="0" marR="0" lvl="0" indent="0" algn="ctr" defTabSz="914400" rtl="0" eaLnBrk="1" fontAlgn="auto" latinLnBrk="0" hangingPunct="1">
+              <a:lnSpc>
+                <a:spcPct val="100000"/>
+              </a:lnSpc>
+              <a:spcBef>
+                <a:spcPts val="0"/>
+              </a:spcBef>
+              <a:spcAft>
+                <a:spcPts val="0"/>
+              </a:spcAft>
+              <a:buClrTx/>
+              <a:buSzTx/>
+              <a:buFontTx/>
+              <a:buNone/>
+              <a:tabLst/>
               <a:defRPr sz="1862" b="0" i="0" u="none" strike="noStrike" kern="1200" spc="0" baseline="0">
                 <a:solidFill>
-                  <a:schemeClr val="tx1">
+                  <a:prstClr val="black">
                     <a:lumMod val="65000"/>
                     <a:lumOff val="35000"/>
-                  </a:schemeClr>
+                  </a:prstClr>
                 </a:solidFill>
                 <a:latin typeface="+mn-lt"/>
                 <a:ea typeface="+mn-ea"/>
@@ -1502,13 +1157,20 @@
               <a:t>범죄율과 지역별 </a:t>
             </a:r>
             <a:r>
-              <a:rPr lang="en-US" altLang="ko-KR" dirty="0"/>
+              <a:rPr lang="en-US" altLang="ko-KR" b="1" i="0" dirty="0">
+                <a:effectLst/>
+              </a:rPr>
               <a:t>GDP</a:t>
             </a:r>
             <a:r>
               <a:rPr lang="ko-KR" altLang="en-US" dirty="0"/>
-              <a:t>의 상관관계</a:t>
-            </a:r>
+              <a:t>의</a:t>
+            </a:r>
+            <a:r>
+              <a:rPr lang="ko-KR" altLang="en-US" baseline="0" dirty="0"/>
+              <a:t> 상관관계</a:t>
+            </a:r>
+            <a:endParaRPr lang="ko-KR" altLang="en-US" dirty="0"/>
           </a:p>
         </c:rich>
       </c:tx>
@@ -1521,16 +1183,30 @@
         <a:effectLst/>
       </c:spPr>
       <c:txPr>
-        <a:bodyPr rot="0" spcFirstLastPara="1" vertOverflow="ellipsis" vert="horz" wrap="square" anchor="ctr" anchorCtr="1"/>
+        <a:bodyPr rot="0" spcFirstLastPara="1" vertOverflow="ellipsis" vert="horz" wrap="square" anchor="t" anchorCtr="0"/>
         <a:lstStyle/>
         <a:p>
-          <a:pPr>
+          <a:pPr marL="0" marR="0" lvl="0" indent="0" algn="ctr" defTabSz="914400" rtl="0" eaLnBrk="1" fontAlgn="auto" latinLnBrk="0" hangingPunct="1">
+            <a:lnSpc>
+              <a:spcPct val="100000"/>
+            </a:lnSpc>
+            <a:spcBef>
+              <a:spcPts val="0"/>
+            </a:spcBef>
+            <a:spcAft>
+              <a:spcPts val="0"/>
+            </a:spcAft>
+            <a:buClrTx/>
+            <a:buSzTx/>
+            <a:buFontTx/>
+            <a:buNone/>
+            <a:tabLst/>
             <a:defRPr sz="1862" b="0" i="0" u="none" strike="noStrike" kern="1200" spc="0" baseline="0">
               <a:solidFill>
-                <a:schemeClr val="tx1">
+                <a:prstClr val="black">
                   <a:lumMod val="65000"/>
                   <a:lumOff val="35000"/>
-                </a:schemeClr>
+                </a:prstClr>
               </a:solidFill>
               <a:latin typeface="+mn-lt"/>
               <a:ea typeface="+mn-ea"/>
@@ -1549,22 +1225,22 @@
         <c:grouping val="clustered"/>
         <c:varyColors val="0"/>
         <c:ser>
-          <c:idx val="3"/>
-          <c:order val="3"/>
+          <c:idx val="2"/>
+          <c:order val="2"/>
           <c:tx>
             <c:strRef>
-              <c:f>Sheet1!$E$1</c:f>
+              <c:f>Sheet1!$D$1</c:f>
               <c:strCache>
                 <c:ptCount val="1"/>
                 <c:pt idx="0">
-                  <c:v>2020GDP</c:v>
+                  <c:v>2021GDP증강량</c:v>
                 </c:pt>
               </c:strCache>
             </c:strRef>
           </c:tx>
           <c:spPr>
             <a:solidFill>
-              <a:schemeClr val="accent4"/>
+              <a:schemeClr val="bg2"/>
             </a:solidFill>
             <a:ln>
               <a:noFill/>
@@ -1633,89 +1309,87 @@
           </c:cat>
           <c:val>
             <c:numRef>
-              <c:f>Sheet1!$E$2:$E$18</c:f>
+              <c:f>Sheet1!$D$2:$D$18</c:f>
               <c:numCache>
-                <c:formatCode>#,##0</c:formatCode>
+                <c:formatCode>General</c:formatCode>
                 <c:ptCount val="17"/>
                 <c:pt idx="0">
-                  <c:v>417638547</c:v>
+                  <c:v>14040265</c:v>
                 </c:pt>
                 <c:pt idx="1">
-                  <c:v>85962709</c:v>
+                  <c:v>1666616</c:v>
                 </c:pt>
                 <c:pt idx="2">
-                  <c:v>53668577</c:v>
+                  <c:v>2348885</c:v>
                 </c:pt>
                 <c:pt idx="3">
-                  <c:v>84907539</c:v>
+                  <c:v>5418360</c:v>
                 </c:pt>
                 <c:pt idx="4">
-                  <c:v>39530642</c:v>
+                  <c:v>1726495</c:v>
                 </c:pt>
                 <c:pt idx="5">
-                  <c:v>41208249</c:v>
+                  <c:v>1291846</c:v>
                 </c:pt>
                 <c:pt idx="6">
-                  <c:v>67136435</c:v>
+                  <c:v>2386843</c:v>
                 </c:pt>
                 <c:pt idx="7">
-                  <c:v>11647981</c:v>
+                  <c:v>861409</c:v>
                 </c:pt>
                 <c:pt idx="8">
-                  <c:v>470022670</c:v>
+                  <c:v>28336011</c:v>
                 </c:pt>
                 <c:pt idx="9">
-                  <c:v>44829136</c:v>
+                  <c:v>1952195</c:v>
                 </c:pt>
                 <c:pt idx="10">
-                  <c:v>65926194</c:v>
+                  <c:v>4522144</c:v>
                 </c:pt>
                 <c:pt idx="11">
-                  <c:v>112762058</c:v>
+                  <c:v>5725169</c:v>
                 </c:pt>
                 <c:pt idx="12">
-                  <c:v>49116252</c:v>
+                  <c:v>1520131</c:v>
                 </c:pt>
                 <c:pt idx="13">
-                  <c:v>74972494</c:v>
+                  <c:v>1993293</c:v>
                 </c:pt>
                 <c:pt idx="14">
-                  <c:v>101370158</c:v>
+                  <c:v>3854104</c:v>
                 </c:pt>
                 <c:pt idx="15">
-                  <c:v>103425415</c:v>
+                  <c:v>1959249</c:v>
                 </c:pt>
                 <c:pt idx="16">
-                  <c:v>17957495</c:v>
+                  <c:v>215531</c:v>
                 </c:pt>
               </c:numCache>
             </c:numRef>
           </c:val>
           <c:extLst>
             <c:ext xmlns:c16="http://schemas.microsoft.com/office/drawing/2014/chart" uri="{C3380CC4-5D6E-409C-BE32-E72D297353CC}">
-              <c16:uniqueId val="{00000004-85C4-409E-8892-3B4E36E88739}"/>
+              <c16:uniqueId val="{00000002-F45D-41DC-899C-8E7D4D24E111}"/>
             </c:ext>
           </c:extLst>
         </c:ser>
         <c:ser>
-          <c:idx val="4"/>
-          <c:order val="4"/>
+          <c:idx val="3"/>
+          <c:order val="3"/>
           <c:tx>
             <c:strRef>
-              <c:f>Sheet1!$F$1</c:f>
+              <c:f>Sheet1!$E$1</c:f>
               <c:strCache>
                 <c:ptCount val="1"/>
                 <c:pt idx="0">
-                  <c:v>2021GDP</c:v>
+                  <c:v>2022GDP증강량</c:v>
                 </c:pt>
               </c:strCache>
             </c:strRef>
           </c:tx>
           <c:spPr>
             <a:solidFill>
-              <a:schemeClr val="bg1">
-                <a:lumMod val="75000"/>
-              </a:schemeClr>
+              <a:srgbClr val="FFC000"/>
             </a:solidFill>
             <a:ln>
               <a:noFill/>
@@ -1784,216 +1458,67 @@
           </c:cat>
           <c:val>
             <c:numRef>
-              <c:f>Sheet1!$F$2:$F$18</c:f>
+              <c:f>Sheet1!$E$2:$E$18</c:f>
               <c:numCache>
-                <c:formatCode>#,##0</c:formatCode>
+                <c:formatCode>General</c:formatCode>
                 <c:ptCount val="17"/>
                 <c:pt idx="0">
-                  <c:v>431678812</c:v>
+                  <c:v>6858201</c:v>
                 </c:pt>
                 <c:pt idx="1">
-                  <c:v>87629325</c:v>
+                  <c:v>2254436</c:v>
                 </c:pt>
                 <c:pt idx="2">
-                  <c:v>56017462</c:v>
+                  <c:v>978895</c:v>
                 </c:pt>
                 <c:pt idx="3">
-                  <c:v>90325899</c:v>
+                  <c:v>5386740</c:v>
                 </c:pt>
                 <c:pt idx="4">
-                  <c:v>41257137</c:v>
+                  <c:v>682460</c:v>
                 </c:pt>
                 <c:pt idx="5">
-                  <c:v>42500095</c:v>
+                  <c:v>1895339</c:v>
                 </c:pt>
                 <c:pt idx="6">
-                  <c:v>69523278</c:v>
+                  <c:v>-319043</c:v>
                 </c:pt>
                 <c:pt idx="7">
-                  <c:v>12509390</c:v>
+                  <c:v>407037</c:v>
                 </c:pt>
                 <c:pt idx="8">
-                  <c:v>498358681</c:v>
+                  <c:v>17999526</c:v>
                 </c:pt>
                 <c:pt idx="9">
-                  <c:v>46781331</c:v>
+                  <c:v>1398007</c:v>
                 </c:pt>
                 <c:pt idx="10">
-                  <c:v>70448338</c:v>
+                  <c:v>3181391</c:v>
                 </c:pt>
                 <c:pt idx="11">
-                  <c:v>118487227</c:v>
+                  <c:v>2914172</c:v>
                 </c:pt>
                 <c:pt idx="12">
-                  <c:v>50636383</c:v>
+                  <c:v>1042046</c:v>
                 </c:pt>
                 <c:pt idx="13">
-                  <c:v>76965787</c:v>
+                  <c:v>-1490445</c:v>
                 </c:pt>
                 <c:pt idx="14">
-                  <c:v>105224262</c:v>
+                  <c:v>1833407</c:v>
                 </c:pt>
                 <c:pt idx="15">
-                  <c:v>105384664</c:v>
+                  <c:v>4880638</c:v>
                 </c:pt>
                 <c:pt idx="16">
-                  <c:v>18173026</c:v>
+                  <c:v>830154</c:v>
                 </c:pt>
               </c:numCache>
             </c:numRef>
           </c:val>
           <c:extLst>
             <c:ext xmlns:c16="http://schemas.microsoft.com/office/drawing/2014/chart" uri="{C3380CC4-5D6E-409C-BE32-E72D297353CC}">
-              <c16:uniqueId val="{00000005-85C4-409E-8892-3B4E36E88739}"/>
-            </c:ext>
-          </c:extLst>
-        </c:ser>
-        <c:ser>
-          <c:idx val="5"/>
-          <c:order val="5"/>
-          <c:tx>
-            <c:strRef>
-              <c:f>Sheet1!$G$1</c:f>
-              <c:strCache>
-                <c:ptCount val="1"/>
-                <c:pt idx="0">
-                  <c:v>2022GDP</c:v>
-                </c:pt>
-              </c:strCache>
-            </c:strRef>
-          </c:tx>
-          <c:spPr>
-            <a:solidFill>
-              <a:schemeClr val="accent6"/>
-            </a:solidFill>
-            <a:ln>
-              <a:noFill/>
-            </a:ln>
-            <a:effectLst/>
-          </c:spPr>
-          <c:invertIfNegative val="0"/>
-          <c:cat>
-            <c:strRef>
-              <c:f>Sheet1!$A$2:$A$18</c:f>
-              <c:strCache>
-                <c:ptCount val="17"/>
-                <c:pt idx="0">
-                  <c:v>서울</c:v>
-                </c:pt>
-                <c:pt idx="1">
-                  <c:v>부산</c:v>
-                </c:pt>
-                <c:pt idx="2">
-                  <c:v>대구</c:v>
-                </c:pt>
-                <c:pt idx="3">
-                  <c:v>인천</c:v>
-                </c:pt>
-                <c:pt idx="4">
-                  <c:v>광주</c:v>
-                </c:pt>
-                <c:pt idx="5">
-                  <c:v>대전</c:v>
-                </c:pt>
-                <c:pt idx="6">
-                  <c:v>울산</c:v>
-                </c:pt>
-                <c:pt idx="7">
-                  <c:v>세종</c:v>
-                </c:pt>
-                <c:pt idx="8">
-                  <c:v>경기</c:v>
-                </c:pt>
-                <c:pt idx="9">
-                  <c:v>강원</c:v>
-                </c:pt>
-                <c:pt idx="10">
-                  <c:v>충북</c:v>
-                </c:pt>
-                <c:pt idx="11">
-                  <c:v>충남</c:v>
-                </c:pt>
-                <c:pt idx="12">
-                  <c:v>전북</c:v>
-                </c:pt>
-                <c:pt idx="13">
-                  <c:v>전남</c:v>
-                </c:pt>
-                <c:pt idx="14">
-                  <c:v>경북</c:v>
-                </c:pt>
-                <c:pt idx="15">
-                  <c:v>경남</c:v>
-                </c:pt>
-                <c:pt idx="16">
-                  <c:v>제주</c:v>
-                </c:pt>
-              </c:strCache>
-            </c:strRef>
-          </c:cat>
-          <c:val>
-            <c:numRef>
-              <c:f>Sheet1!$G$2:$G$18</c:f>
-              <c:numCache>
-                <c:formatCode>#,##0</c:formatCode>
-                <c:ptCount val="17"/>
-                <c:pt idx="0">
-                  <c:v>438537013</c:v>
-                </c:pt>
-                <c:pt idx="1">
-                  <c:v>89883761</c:v>
-                </c:pt>
-                <c:pt idx="2">
-                  <c:v>56996357</c:v>
-                </c:pt>
-                <c:pt idx="3">
-                  <c:v>95712639</c:v>
-                </c:pt>
-                <c:pt idx="4">
-                  <c:v>41939597</c:v>
-                </c:pt>
-                <c:pt idx="5">
-                  <c:v>44395434</c:v>
-                </c:pt>
-                <c:pt idx="6">
-                  <c:v>69204235</c:v>
-                </c:pt>
-                <c:pt idx="7">
-                  <c:v>12916427</c:v>
-                </c:pt>
-                <c:pt idx="8">
-                  <c:v>516358207</c:v>
-                </c:pt>
-                <c:pt idx="9">
-                  <c:v>48179338</c:v>
-                </c:pt>
-                <c:pt idx="10">
-                  <c:v>73629729</c:v>
-                </c:pt>
-                <c:pt idx="11">
-                  <c:v>121401399</c:v>
-                </c:pt>
-                <c:pt idx="12">
-                  <c:v>51678429</c:v>
-                </c:pt>
-                <c:pt idx="13">
-                  <c:v>75475342</c:v>
-                </c:pt>
-                <c:pt idx="14">
-                  <c:v>107057669</c:v>
-                </c:pt>
-                <c:pt idx="15">
-                  <c:v>110265302</c:v>
-                </c:pt>
-                <c:pt idx="16">
-                  <c:v>19003180</c:v>
-                </c:pt>
-              </c:numCache>
-            </c:numRef>
-          </c:val>
-          <c:extLst>
-            <c:ext xmlns:c16="http://schemas.microsoft.com/office/drawing/2014/chart" uri="{C3380CC4-5D6E-409C-BE32-E72D297353CC}">
-              <c16:uniqueId val="{00000006-85C4-409E-8892-3B4E36E88739}"/>
+              <c16:uniqueId val="{00000004-F45D-41DC-899C-8E7D4D24E111}"/>
             </c:ext>
           </c:extLst>
         </c:ser>
@@ -2006,8 +1531,8 @@
           <c:showBubbleSize val="0"/>
         </c:dLbls>
         <c:gapWidth val="219"/>
-        <c:axId val="321108912"/>
-        <c:axId val="321109744"/>
+        <c:axId val="902914383"/>
+        <c:axId val="902915215"/>
       </c:barChart>
       <c:lineChart>
         <c:grouping val="standard"/>
@@ -2021,7 +1546,7 @@
               <c:strCache>
                 <c:ptCount val="1"/>
                 <c:pt idx="0">
-                  <c:v>2020범죄율</c:v>
+                  <c:v>2021범죄율증강량</c:v>
                 </c:pt>
               </c:strCache>
             </c:strRef>
@@ -2029,173 +1554,7 @@
           <c:spPr>
             <a:ln w="28575" cap="rnd">
               <a:solidFill>
-                <a:schemeClr val="accent4"/>
-              </a:solidFill>
-              <a:round/>
-            </a:ln>
-            <a:effectLst/>
-          </c:spPr>
-          <c:marker>
-            <c:symbol val="circle"/>
-            <c:size val="5"/>
-            <c:spPr>
-              <a:solidFill>
-                <a:schemeClr val="accent4"/>
-              </a:solidFill>
-              <a:ln w="9525">
-                <a:solidFill>
-                  <a:schemeClr val="accent4"/>
-                </a:solidFill>
-              </a:ln>
-              <a:effectLst/>
-            </c:spPr>
-          </c:marker>
-          <c:cat>
-            <c:strRef>
-              <c:f>Sheet1!$A$2:$A$18</c:f>
-              <c:strCache>
-                <c:ptCount val="17"/>
-                <c:pt idx="0">
-                  <c:v>서울</c:v>
-                </c:pt>
-                <c:pt idx="1">
-                  <c:v>부산</c:v>
-                </c:pt>
-                <c:pt idx="2">
-                  <c:v>대구</c:v>
-                </c:pt>
-                <c:pt idx="3">
-                  <c:v>인천</c:v>
-                </c:pt>
-                <c:pt idx="4">
-                  <c:v>광주</c:v>
-                </c:pt>
-                <c:pt idx="5">
-                  <c:v>대전</c:v>
-                </c:pt>
-                <c:pt idx="6">
-                  <c:v>울산</c:v>
-                </c:pt>
-                <c:pt idx="7">
-                  <c:v>세종</c:v>
-                </c:pt>
-                <c:pt idx="8">
-                  <c:v>경기</c:v>
-                </c:pt>
-                <c:pt idx="9">
-                  <c:v>강원</c:v>
-                </c:pt>
-                <c:pt idx="10">
-                  <c:v>충북</c:v>
-                </c:pt>
-                <c:pt idx="11">
-                  <c:v>충남</c:v>
-                </c:pt>
-                <c:pt idx="12">
-                  <c:v>전북</c:v>
-                </c:pt>
-                <c:pt idx="13">
-                  <c:v>전남</c:v>
-                </c:pt>
-                <c:pt idx="14">
-                  <c:v>경북</c:v>
-                </c:pt>
-                <c:pt idx="15">
-                  <c:v>경남</c:v>
-                </c:pt>
-                <c:pt idx="16">
-                  <c:v>제주</c:v>
-                </c:pt>
-              </c:strCache>
-            </c:strRef>
-          </c:cat>
-          <c:val>
-            <c:numRef>
-              <c:f>Sheet1!$B$2:$B$18</c:f>
-              <c:numCache>
-                <c:formatCode>#,##0</c:formatCode>
-                <c:ptCount val="17"/>
-                <c:pt idx="0" formatCode="#,##0.0">
-                  <c:v>3292.4</c:v>
-                </c:pt>
-                <c:pt idx="1">
-                  <c:v>3764</c:v>
-                </c:pt>
-                <c:pt idx="2" formatCode="#,##0.0">
-                  <c:v>3274.2</c:v>
-                </c:pt>
-                <c:pt idx="3" formatCode="#,##0.0">
-                  <c:v>3273.7</c:v>
-                </c:pt>
-                <c:pt idx="4" formatCode="#,##0.0">
-                  <c:v>3439.1</c:v>
-                </c:pt>
-                <c:pt idx="5" formatCode="#,##0.0">
-                  <c:v>3207.9</c:v>
-                </c:pt>
-                <c:pt idx="6" formatCode="#,##0.0">
-                  <c:v>2192.8000000000002</c:v>
-                </c:pt>
-                <c:pt idx="7" formatCode="#,##0.0">
-                  <c:v>1869.1</c:v>
-                </c:pt>
-                <c:pt idx="8" formatCode="#,##0.0">
-                  <c:v>3198.7</c:v>
-                </c:pt>
-                <c:pt idx="9" formatCode="#,##0.0">
-                  <c:v>3340.9</c:v>
-                </c:pt>
-                <c:pt idx="10" formatCode="#,##0.0">
-                  <c:v>3226.1</c:v>
-                </c:pt>
-                <c:pt idx="11" formatCode="#,##0.0">
-                  <c:v>3387.4</c:v>
-                </c:pt>
-                <c:pt idx="12" formatCode="#,##0.0">
-                  <c:v>3115.7</c:v>
-                </c:pt>
-                <c:pt idx="13" formatCode="#,##0.0">
-                  <c:v>3642.8</c:v>
-                </c:pt>
-                <c:pt idx="14" formatCode="#,##0.0">
-                  <c:v>3174.6</c:v>
-                </c:pt>
-                <c:pt idx="15" formatCode="#,##0.0">
-                  <c:v>3694.6</c:v>
-                </c:pt>
-                <c:pt idx="16" formatCode="#,##0.0">
-                  <c:v>4342.5</c:v>
-                </c:pt>
-              </c:numCache>
-            </c:numRef>
-          </c:val>
-          <c:smooth val="0"/>
-          <c:extLst>
-            <c:ext xmlns:c16="http://schemas.microsoft.com/office/drawing/2014/chart" uri="{C3380CC4-5D6E-409C-BE32-E72D297353CC}">
-              <c16:uniqueId val="{00000000-85C4-409E-8892-3B4E36E88739}"/>
-            </c:ext>
-          </c:extLst>
-        </c:ser>
-        <c:ser>
-          <c:idx val="1"/>
-          <c:order val="1"/>
-          <c:tx>
-            <c:strRef>
-              <c:f>Sheet1!$C$1</c:f>
-              <c:strCache>
-                <c:ptCount val="1"/>
-                <c:pt idx="0">
-                  <c:v>2021범죄율</c:v>
-                </c:pt>
-              </c:strCache>
-            </c:strRef>
-          </c:tx>
-          <c:spPr>
-            <a:ln w="28575" cap="rnd">
-              <a:solidFill>
-                <a:schemeClr val="bg1">
-                  <a:lumMod val="50000"/>
-                </a:schemeClr>
+                <a:schemeClr val="bg2"/>
               </a:solidFill>
               <a:round/>
             </a:ln>
@@ -2212,9 +1571,7 @@
               </a:solidFill>
               <a:ln w="9525">
                 <a:solidFill>
-                  <a:schemeClr val="bg1">
-                    <a:lumMod val="50000"/>
-                  </a:schemeClr>
+                  <a:schemeClr val="bg2"/>
                 </a:solidFill>
               </a:ln>
               <a:effectLst/>
@@ -2281,60 +1638,60 @@
           </c:cat>
           <c:val>
             <c:numRef>
-              <c:f>Sheet1!$C$2:$C$18</c:f>
+              <c:f>Sheet1!$B$2:$B$18</c:f>
               <c:numCache>
-                <c:formatCode>#,##0.0</c:formatCode>
+                <c:formatCode>General</c:formatCode>
                 <c:ptCount val="17"/>
                 <c:pt idx="0">
-                  <c:v>2890.1</c:v>
+                  <c:v>-402.3</c:v>
                 </c:pt>
                 <c:pt idx="1">
-                  <c:v>3389.4</c:v>
+                  <c:v>-374.6</c:v>
                 </c:pt>
                 <c:pt idx="2">
-                  <c:v>3032.6</c:v>
+                  <c:v>-241.6</c:v>
                 </c:pt>
                 <c:pt idx="3">
-                  <c:v>2897.6</c:v>
+                  <c:v>-376.1</c:v>
                 </c:pt>
                 <c:pt idx="4">
-                  <c:v>3094.5</c:v>
+                  <c:v>-344.6</c:v>
                 </c:pt>
                 <c:pt idx="5">
-                  <c:v>2886.6</c:v>
+                  <c:v>-321.3</c:v>
                 </c:pt>
                 <c:pt idx="6">
-                  <c:v>2091.9</c:v>
+                  <c:v>-100.9</c:v>
                 </c:pt>
                 <c:pt idx="7">
-                  <c:v>1652.9</c:v>
+                  <c:v>-216.2</c:v>
                 </c:pt>
                 <c:pt idx="8">
-                  <c:v>2860.2</c:v>
+                  <c:v>-338.5</c:v>
                 </c:pt>
                 <c:pt idx="9">
-                  <c:v>2950.8</c:v>
+                  <c:v>-390.1</c:v>
                 </c:pt>
                 <c:pt idx="10">
-                  <c:v>2943.5</c:v>
+                  <c:v>-282.60000000000002</c:v>
                 </c:pt>
                 <c:pt idx="11">
-                  <c:v>2986.4</c:v>
-                </c:pt>
-                <c:pt idx="12" formatCode="#,##0">
-                  <c:v>2943</c:v>
+                  <c:v>-401</c:v>
+                </c:pt>
+                <c:pt idx="12">
+                  <c:v>-172.7</c:v>
                 </c:pt>
                 <c:pt idx="13">
-                  <c:v>3284.9</c:v>
+                  <c:v>-357.9</c:v>
                 </c:pt>
                 <c:pt idx="14">
-                  <c:v>2866.8</c:v>
+                  <c:v>-307.8</c:v>
                 </c:pt>
                 <c:pt idx="15">
-                  <c:v>3352.3</c:v>
+                  <c:v>-342.3</c:v>
                 </c:pt>
                 <c:pt idx="16">
-                  <c:v>3915.6</c:v>
+                  <c:v>-426.9</c:v>
                 </c:pt>
               </c:numCache>
             </c:numRef>
@@ -2342,20 +1699,20 @@
           <c:smooth val="0"/>
           <c:extLst>
             <c:ext xmlns:c16="http://schemas.microsoft.com/office/drawing/2014/chart" uri="{C3380CC4-5D6E-409C-BE32-E72D297353CC}">
-              <c16:uniqueId val="{00000001-85C4-409E-8892-3B4E36E88739}"/>
+              <c16:uniqueId val="{00000000-F45D-41DC-899C-8E7D4D24E111}"/>
             </c:ext>
           </c:extLst>
         </c:ser>
         <c:ser>
-          <c:idx val="2"/>
-          <c:order val="2"/>
+          <c:idx val="1"/>
+          <c:order val="1"/>
           <c:tx>
             <c:strRef>
-              <c:f>Sheet1!$D$1</c:f>
+              <c:f>Sheet1!$C$1</c:f>
               <c:strCache>
                 <c:ptCount val="1"/>
                 <c:pt idx="0">
-                  <c:v>2022범죄율</c:v>
+                  <c:v>2022범죄율증강량</c:v>
                 </c:pt>
               </c:strCache>
             </c:strRef>
@@ -2363,7 +1720,7 @@
           <c:spPr>
             <a:ln w="28575" cap="rnd">
               <a:solidFill>
-                <a:schemeClr val="accent6"/>
+                <a:srgbClr val="FFC000"/>
               </a:solidFill>
               <a:round/>
             </a:ln>
@@ -2374,11 +1731,11 @@
             <c:size val="5"/>
             <c:spPr>
               <a:solidFill>
-                <a:schemeClr val="accent6"/>
+                <a:schemeClr val="tx1"/>
               </a:solidFill>
               <a:ln w="9525">
                 <a:solidFill>
-                  <a:schemeClr val="accent6"/>
+                  <a:srgbClr val="FFC000"/>
                 </a:solidFill>
               </a:ln>
               <a:effectLst/>
@@ -2445,60 +1802,60 @@
           </c:cat>
           <c:val>
             <c:numRef>
-              <c:f>Sheet1!$D$2:$D$18</c:f>
+              <c:f>Sheet1!$C$2:$C$18</c:f>
               <c:numCache>
-                <c:formatCode>#,##0.0</c:formatCode>
+                <c:formatCode>General</c:formatCode>
                 <c:ptCount val="17"/>
                 <c:pt idx="0">
-                  <c:v>3134.2</c:v>
+                  <c:v>244.1</c:v>
                 </c:pt>
                 <c:pt idx="1">
-                  <c:v>3560.5</c:v>
+                  <c:v>171.1</c:v>
                 </c:pt>
                 <c:pt idx="2">
-                  <c:v>3020.1</c:v>
+                  <c:v>-12.5</c:v>
                 </c:pt>
                 <c:pt idx="3">
-                  <c:v>3072.9</c:v>
+                  <c:v>175.3</c:v>
                 </c:pt>
                 <c:pt idx="4">
-                  <c:v>3002.2</c:v>
+                  <c:v>-92.3</c:v>
                 </c:pt>
                 <c:pt idx="5">
-                  <c:v>3156.8</c:v>
+                  <c:v>270.2</c:v>
                 </c:pt>
                 <c:pt idx="6">
-                  <c:v>1600.5</c:v>
+                  <c:v>-491.4</c:v>
                 </c:pt>
                 <c:pt idx="7">
-                  <c:v>1800.6</c:v>
+                  <c:v>147.69999999999999</c:v>
                 </c:pt>
                 <c:pt idx="8">
-                  <c:v>2878.1</c:v>
+                  <c:v>17.899999999999999</c:v>
                 </c:pt>
                 <c:pt idx="9">
-                  <c:v>2996.3</c:v>
+                  <c:v>45.5</c:v>
                 </c:pt>
                 <c:pt idx="10">
-                  <c:v>2966.9</c:v>
+                  <c:v>23.4</c:v>
                 </c:pt>
                 <c:pt idx="11">
-                  <c:v>3194.9</c:v>
+                  <c:v>208.5</c:v>
                 </c:pt>
                 <c:pt idx="12">
-                  <c:v>3036.7</c:v>
+                  <c:v>93.7</c:v>
                 </c:pt>
                 <c:pt idx="13">
-                  <c:v>3385.9</c:v>
+                  <c:v>101</c:v>
                 </c:pt>
                 <c:pt idx="14">
-                  <c:v>3036.1</c:v>
+                  <c:v>169.3</c:v>
                 </c:pt>
                 <c:pt idx="15">
-                  <c:v>3398.5</c:v>
+                  <c:v>46.2</c:v>
                 </c:pt>
                 <c:pt idx="16">
-                  <c:v>4051.9</c:v>
+                  <c:v>136.30000000000001</c:v>
                 </c:pt>
               </c:numCache>
             </c:numRef>
@@ -2506,7 +1863,7 @@
           <c:smooth val="0"/>
           <c:extLst>
             <c:ext xmlns:c16="http://schemas.microsoft.com/office/drawing/2014/chart" uri="{C3380CC4-5D6E-409C-BE32-E72D297353CC}">
-              <c16:uniqueId val="{00000002-85C4-409E-8892-3B4E36E88739}"/>
+              <c16:uniqueId val="{00000001-F45D-41DC-899C-8E7D4D24E111}"/>
             </c:ext>
           </c:extLst>
         </c:ser>
@@ -2520,11 +1877,11 @@
         </c:dLbls>
         <c:marker val="1"/>
         <c:smooth val="0"/>
-        <c:axId val="540376736"/>
-        <c:axId val="540373824"/>
+        <c:axId val="876330735"/>
+        <c:axId val="877147935"/>
       </c:lineChart>
       <c:catAx>
-        <c:axId val="321108912"/>
+        <c:axId val="902914383"/>
         <c:scaling>
           <c:orientation val="minMax"/>
         </c:scaling>
@@ -2567,7 +1924,7 @@
             <a:endParaRPr lang="ko-KR"/>
           </a:p>
         </c:txPr>
-        <c:crossAx val="321109744"/>
+        <c:crossAx val="902915215"/>
         <c:crosses val="autoZero"/>
         <c:auto val="1"/>
         <c:lblAlgn val="ctr"/>
@@ -2575,7 +1932,7 @@
         <c:noMultiLvlLbl val="0"/>
       </c:catAx>
       <c:valAx>
-        <c:axId val="321109744"/>
+        <c:axId val="902915215"/>
         <c:scaling>
           <c:orientation val="minMax"/>
         </c:scaling>
@@ -2595,7 +1952,7 @@
             <a:effectLst/>
           </c:spPr>
         </c:majorGridlines>
-        <c:numFmt formatCode="#,##0" sourceLinked="1"/>
+        <c:numFmt formatCode="General" sourceLinked="1"/>
         <c:majorTickMark val="none"/>
         <c:minorTickMark val="none"/>
         <c:tickLblPos val="nextTo"/>
@@ -2626,18 +1983,18 @@
             <a:endParaRPr lang="ko-KR"/>
           </a:p>
         </c:txPr>
-        <c:crossAx val="321108912"/>
+        <c:crossAx val="902914383"/>
         <c:crosses val="autoZero"/>
         <c:crossBetween val="between"/>
       </c:valAx>
       <c:valAx>
-        <c:axId val="540373824"/>
+        <c:axId val="877147935"/>
         <c:scaling>
           <c:orientation val="minMax"/>
         </c:scaling>
         <c:delete val="0"/>
         <c:axPos val="r"/>
-        <c:numFmt formatCode="#,##0.0" sourceLinked="1"/>
+        <c:numFmt formatCode="General" sourceLinked="1"/>
         <c:majorTickMark val="out"/>
         <c:minorTickMark val="none"/>
         <c:tickLblPos val="nextTo"/>
@@ -2668,12 +2025,12 @@
             <a:endParaRPr lang="ko-KR"/>
           </a:p>
         </c:txPr>
-        <c:crossAx val="540376736"/>
+        <c:crossAx val="876330735"/>
         <c:crosses val="max"/>
         <c:crossBetween val="between"/>
       </c:valAx>
       <c:catAx>
-        <c:axId val="540376736"/>
+        <c:axId val="876330735"/>
         <c:scaling>
           <c:orientation val="minMax"/>
         </c:scaling>
@@ -2683,7 +2040,7 @@
         <c:majorTickMark val="out"/>
         <c:minorTickMark val="none"/>
         <c:tickLblPos val="nextTo"/>
-        <c:crossAx val="540373824"/>
+        <c:crossAx val="877147935"/>
         <c:auto val="1"/>
         <c:lblAlgn val="ctr"/>
         <c:lblOffset val="100"/>
@@ -2843,7 +2200,7 @@
 </file>
 
 <file path=ppt/charts/style1.xml><?xml version="1.0" encoding="utf-8"?>
-<cs:chartStyle xmlns:cs="http://schemas.microsoft.com/office/drawing/2012/chartStyle" xmlns:a="http://schemas.openxmlformats.org/drawingml/2006/main" id="227">
+<cs:chartStyle xmlns:cs="http://schemas.microsoft.com/office/drawing/2012/chartStyle" xmlns:a="http://schemas.openxmlformats.org/drawingml/2006/main" id="201">
   <cs:axisTitle>
     <cs:lnRef idx="0"/>
     <cs:fillRef idx="0"/>
@@ -2951,11 +2308,6 @@
     <cs:fontRef idx="minor">
       <a:schemeClr val="tx1"/>
     </cs:fontRef>
-    <cs:spPr>
-      <a:solidFill>
-        <a:schemeClr val="phClr"/>
-      </a:solidFill>
-    </cs:spPr>
   </cs:dataPoint>
   <cs:dataPoint3D>
     <cs:lnRef idx="0"/>
@@ -2966,11 +2318,6 @@
     <cs:fontRef idx="minor">
       <a:schemeClr val="tx1"/>
     </cs:fontRef>
-    <cs:spPr>
-      <a:solidFill>
-        <a:schemeClr val="phClr"/>
-      </a:solidFill>
-    </cs:spPr>
   </cs:dataPoint3D>
   <cs:dataPointLine>
     <cs:lnRef idx="0">
@@ -3002,9 +2349,6 @@
       <a:schemeClr val="tx1"/>
     </cs:fontRef>
     <cs:spPr>
-      <a:solidFill>
-        <a:schemeClr val="phClr"/>
-      </a:solidFill>
       <a:ln w="9525">
         <a:solidFill>
           <a:schemeClr val="phClr"/>
@@ -3883,7 +3227,7 @@
           <p:cNvPr id="2" name="제목 1">
             <a:extLst>
               <a:ext uri="{FF2B5EF4-FFF2-40B4-BE49-F238E27FC236}">
-                <a16:creationId xmlns:a16="http://schemas.microsoft.com/office/drawing/2014/main" id="{32EF9CBF-EAF1-428D-806E-7D84A80F56EF}"/>
+                <a16:creationId xmlns:a16="http://schemas.microsoft.com/office/drawing/2014/main" id="{540C7652-12E6-477B-B4D2-47CBC1DC35C2}"/>
               </a:ext>
             </a:extLst>
           </p:cNvPr>
@@ -3920,7 +3264,7 @@
           <p:cNvPr id="3" name="부제목 2">
             <a:extLst>
               <a:ext uri="{FF2B5EF4-FFF2-40B4-BE49-F238E27FC236}">
-                <a16:creationId xmlns:a16="http://schemas.microsoft.com/office/drawing/2014/main" id="{7EA08E70-33F4-48E6-AEDF-3A06FD1079F6}"/>
+                <a16:creationId xmlns:a16="http://schemas.microsoft.com/office/drawing/2014/main" id="{33EEB400-4154-4965-BA5C-96C97ED5B186}"/>
               </a:ext>
             </a:extLst>
           </p:cNvPr>
@@ -3990,7 +3334,7 @@
           <p:cNvPr id="4" name="날짜 개체 틀 3">
             <a:extLst>
               <a:ext uri="{FF2B5EF4-FFF2-40B4-BE49-F238E27FC236}">
-                <a16:creationId xmlns:a16="http://schemas.microsoft.com/office/drawing/2014/main" id="{3E941B8B-1F75-4440-85FE-E880DB809FB3}"/>
+                <a16:creationId xmlns:a16="http://schemas.microsoft.com/office/drawing/2014/main" id="{0CEBB242-A4AF-476C-885F-785A6C561CFC}"/>
               </a:ext>
             </a:extLst>
           </p:cNvPr>
@@ -4008,7 +3352,7 @@
           <a:p>
             <a:fld id="{FAE2BBAC-252F-4619-AD4B-021D2BE96488}" type="datetimeFigureOut">
               <a:rPr lang="ko-KR" altLang="en-US" smtClean="0"/>
-              <a:t>2024-07-17</a:t>
+              <a:t>2024-07-18</a:t>
             </a:fld>
             <a:endParaRPr lang="ko-KR" altLang="en-US"/>
           </a:p>
@@ -4019,7 +3363,7 @@
           <p:cNvPr id="5" name="바닥글 개체 틀 4">
             <a:extLst>
               <a:ext uri="{FF2B5EF4-FFF2-40B4-BE49-F238E27FC236}">
-                <a16:creationId xmlns:a16="http://schemas.microsoft.com/office/drawing/2014/main" id="{832BF327-8E8D-4F57-9F6F-AE2DC680CB46}"/>
+                <a16:creationId xmlns:a16="http://schemas.microsoft.com/office/drawing/2014/main" id="{B954B9FD-F306-4A60-9306-CA7CDFB4ED92}"/>
               </a:ext>
             </a:extLst>
           </p:cNvPr>
@@ -4044,7 +3388,7 @@
           <p:cNvPr id="6" name="슬라이드 번호 개체 틀 5">
             <a:extLst>
               <a:ext uri="{FF2B5EF4-FFF2-40B4-BE49-F238E27FC236}">
-                <a16:creationId xmlns:a16="http://schemas.microsoft.com/office/drawing/2014/main" id="{62F7C8A1-F5D3-4CC0-BD94-9B2E8D9EAFD7}"/>
+                <a16:creationId xmlns:a16="http://schemas.microsoft.com/office/drawing/2014/main" id="{A70443CE-68F7-4357-9308-B5FA608E8F60}"/>
               </a:ext>
             </a:extLst>
           </p:cNvPr>
@@ -4071,7 +3415,7 @@
     </p:spTree>
     <p:extLst>
       <p:ext uri="{BB962C8B-B14F-4D97-AF65-F5344CB8AC3E}">
-        <p14:creationId xmlns:p14="http://schemas.microsoft.com/office/powerpoint/2010/main" val="1748898269"/>
+        <p14:creationId xmlns:p14="http://schemas.microsoft.com/office/powerpoint/2010/main" val="3427147762"/>
       </p:ext>
     </p:extLst>
   </p:cSld>
@@ -4103,7 +3447,7 @@
           <p:cNvPr id="2" name="제목 1">
             <a:extLst>
               <a:ext uri="{FF2B5EF4-FFF2-40B4-BE49-F238E27FC236}">
-                <a16:creationId xmlns:a16="http://schemas.microsoft.com/office/drawing/2014/main" id="{14CA6894-9A8A-4F31-81A9-427DCD8EEA80}"/>
+                <a16:creationId xmlns:a16="http://schemas.microsoft.com/office/drawing/2014/main" id="{4C030835-C245-40F0-B7DF-B1AD01BC3B74}"/>
               </a:ext>
             </a:extLst>
           </p:cNvPr>
@@ -4131,7 +3475,7 @@
           <p:cNvPr id="3" name="세로 텍스트 개체 틀 2">
             <a:extLst>
               <a:ext uri="{FF2B5EF4-FFF2-40B4-BE49-F238E27FC236}">
-                <a16:creationId xmlns:a16="http://schemas.microsoft.com/office/drawing/2014/main" id="{11DE2995-FC6A-4E2A-9CF1-ECE8E09D9192}"/>
+                <a16:creationId xmlns:a16="http://schemas.microsoft.com/office/drawing/2014/main" id="{A271E64F-0122-453D-845A-F6520DB2191E}"/>
               </a:ext>
             </a:extLst>
           </p:cNvPr>
@@ -4188,7 +3532,7 @@
           <p:cNvPr id="4" name="날짜 개체 틀 3">
             <a:extLst>
               <a:ext uri="{FF2B5EF4-FFF2-40B4-BE49-F238E27FC236}">
-                <a16:creationId xmlns:a16="http://schemas.microsoft.com/office/drawing/2014/main" id="{F971FA11-0B37-493C-B43F-7BC4E7EB5A6C}"/>
+                <a16:creationId xmlns:a16="http://schemas.microsoft.com/office/drawing/2014/main" id="{760ABB97-E6A1-4DB3-A446-1A2B2D36DA42}"/>
               </a:ext>
             </a:extLst>
           </p:cNvPr>
@@ -4206,7 +3550,7 @@
           <a:p>
             <a:fld id="{FAE2BBAC-252F-4619-AD4B-021D2BE96488}" type="datetimeFigureOut">
               <a:rPr lang="ko-KR" altLang="en-US" smtClean="0"/>
-              <a:t>2024-07-17</a:t>
+              <a:t>2024-07-18</a:t>
             </a:fld>
             <a:endParaRPr lang="ko-KR" altLang="en-US"/>
           </a:p>
@@ -4217,7 +3561,7 @@
           <p:cNvPr id="5" name="바닥글 개체 틀 4">
             <a:extLst>
               <a:ext uri="{FF2B5EF4-FFF2-40B4-BE49-F238E27FC236}">
-                <a16:creationId xmlns:a16="http://schemas.microsoft.com/office/drawing/2014/main" id="{FEFE56EC-3E16-4B10-87FC-31010FDB5521}"/>
+                <a16:creationId xmlns:a16="http://schemas.microsoft.com/office/drawing/2014/main" id="{610467AF-7933-4C01-8E67-85B5060F0A80}"/>
               </a:ext>
             </a:extLst>
           </p:cNvPr>
@@ -4242,7 +3586,7 @@
           <p:cNvPr id="6" name="슬라이드 번호 개체 틀 5">
             <a:extLst>
               <a:ext uri="{FF2B5EF4-FFF2-40B4-BE49-F238E27FC236}">
-                <a16:creationId xmlns:a16="http://schemas.microsoft.com/office/drawing/2014/main" id="{F9B6F0C0-2448-422B-84C6-661977924A54}"/>
+                <a16:creationId xmlns:a16="http://schemas.microsoft.com/office/drawing/2014/main" id="{B4E05E1A-2633-49A7-8523-EA5DE23D6D77}"/>
               </a:ext>
             </a:extLst>
           </p:cNvPr>
@@ -4269,7 +3613,7 @@
     </p:spTree>
     <p:extLst>
       <p:ext uri="{BB962C8B-B14F-4D97-AF65-F5344CB8AC3E}">
-        <p14:creationId xmlns:p14="http://schemas.microsoft.com/office/powerpoint/2010/main" val="952716706"/>
+        <p14:creationId xmlns:p14="http://schemas.microsoft.com/office/powerpoint/2010/main" val="484781126"/>
       </p:ext>
     </p:extLst>
   </p:cSld>
@@ -4301,7 +3645,7 @@
           <p:cNvPr id="2" name="세로 제목 1">
             <a:extLst>
               <a:ext uri="{FF2B5EF4-FFF2-40B4-BE49-F238E27FC236}">
-                <a16:creationId xmlns:a16="http://schemas.microsoft.com/office/drawing/2014/main" id="{F2E1205F-43F3-4B14-A477-2D300AA0C217}"/>
+                <a16:creationId xmlns:a16="http://schemas.microsoft.com/office/drawing/2014/main" id="{32340831-EA42-4CFA-B3B2-5A21048A2DCB}"/>
               </a:ext>
             </a:extLst>
           </p:cNvPr>
@@ -4334,7 +3678,7 @@
           <p:cNvPr id="3" name="세로 텍스트 개체 틀 2">
             <a:extLst>
               <a:ext uri="{FF2B5EF4-FFF2-40B4-BE49-F238E27FC236}">
-                <a16:creationId xmlns:a16="http://schemas.microsoft.com/office/drawing/2014/main" id="{A4A1A44F-DFA4-40BE-A5D8-8771833D1B83}"/>
+                <a16:creationId xmlns:a16="http://schemas.microsoft.com/office/drawing/2014/main" id="{7B76313D-C9C1-4247-8B8F-9785840DD9D5}"/>
               </a:ext>
             </a:extLst>
           </p:cNvPr>
@@ -4396,7 +3740,7 @@
           <p:cNvPr id="4" name="날짜 개체 틀 3">
             <a:extLst>
               <a:ext uri="{FF2B5EF4-FFF2-40B4-BE49-F238E27FC236}">
-                <a16:creationId xmlns:a16="http://schemas.microsoft.com/office/drawing/2014/main" id="{B436384F-AFE1-4D4F-9E76-862D9168D936}"/>
+                <a16:creationId xmlns:a16="http://schemas.microsoft.com/office/drawing/2014/main" id="{9DF86F8C-9B16-4998-A5F5-532B2764F270}"/>
               </a:ext>
             </a:extLst>
           </p:cNvPr>
@@ -4414,7 +3758,7 @@
           <a:p>
             <a:fld id="{FAE2BBAC-252F-4619-AD4B-021D2BE96488}" type="datetimeFigureOut">
               <a:rPr lang="ko-KR" altLang="en-US" smtClean="0"/>
-              <a:t>2024-07-17</a:t>
+              <a:t>2024-07-18</a:t>
             </a:fld>
             <a:endParaRPr lang="ko-KR" altLang="en-US"/>
           </a:p>
@@ -4425,7 +3769,7 @@
           <p:cNvPr id="5" name="바닥글 개체 틀 4">
             <a:extLst>
               <a:ext uri="{FF2B5EF4-FFF2-40B4-BE49-F238E27FC236}">
-                <a16:creationId xmlns:a16="http://schemas.microsoft.com/office/drawing/2014/main" id="{99C12561-3890-406B-A5CC-39574D720565}"/>
+                <a16:creationId xmlns:a16="http://schemas.microsoft.com/office/drawing/2014/main" id="{76B684A8-9B26-49B9-9AA5-A9A251E3CF7F}"/>
               </a:ext>
             </a:extLst>
           </p:cNvPr>
@@ -4450,7 +3794,7 @@
           <p:cNvPr id="6" name="슬라이드 번호 개체 틀 5">
             <a:extLst>
               <a:ext uri="{FF2B5EF4-FFF2-40B4-BE49-F238E27FC236}">
-                <a16:creationId xmlns:a16="http://schemas.microsoft.com/office/drawing/2014/main" id="{8E651B86-E485-4A4D-8E16-937ACAA46941}"/>
+                <a16:creationId xmlns:a16="http://schemas.microsoft.com/office/drawing/2014/main" id="{A91961FC-646E-44D3-9B49-F49958B79AB5}"/>
               </a:ext>
             </a:extLst>
           </p:cNvPr>
@@ -4477,7 +3821,7 @@
     </p:spTree>
     <p:extLst>
       <p:ext uri="{BB962C8B-B14F-4D97-AF65-F5344CB8AC3E}">
-        <p14:creationId xmlns:p14="http://schemas.microsoft.com/office/powerpoint/2010/main" val="2705721194"/>
+        <p14:creationId xmlns:p14="http://schemas.microsoft.com/office/powerpoint/2010/main" val="4112016987"/>
       </p:ext>
     </p:extLst>
   </p:cSld>
@@ -4509,7 +3853,7 @@
           <p:cNvPr id="2" name="제목 1">
             <a:extLst>
               <a:ext uri="{FF2B5EF4-FFF2-40B4-BE49-F238E27FC236}">
-                <a16:creationId xmlns:a16="http://schemas.microsoft.com/office/drawing/2014/main" id="{4DDF7811-4A76-4B92-B1C3-2A9693C61542}"/>
+                <a16:creationId xmlns:a16="http://schemas.microsoft.com/office/drawing/2014/main" id="{5CE51711-F194-4AAA-8D78-B058274FF2A4}"/>
               </a:ext>
             </a:extLst>
           </p:cNvPr>
@@ -4537,7 +3881,7 @@
           <p:cNvPr id="3" name="내용 개체 틀 2">
             <a:extLst>
               <a:ext uri="{FF2B5EF4-FFF2-40B4-BE49-F238E27FC236}">
-                <a16:creationId xmlns:a16="http://schemas.microsoft.com/office/drawing/2014/main" id="{2AEE2D59-9608-406A-B426-B5C14F85E22B}"/>
+                <a16:creationId xmlns:a16="http://schemas.microsoft.com/office/drawing/2014/main" id="{F91B5BD9-5FC0-4002-9E36-39F62BAA5B71}"/>
               </a:ext>
             </a:extLst>
           </p:cNvPr>
@@ -4594,7 +3938,7 @@
           <p:cNvPr id="4" name="날짜 개체 틀 3">
             <a:extLst>
               <a:ext uri="{FF2B5EF4-FFF2-40B4-BE49-F238E27FC236}">
-                <a16:creationId xmlns:a16="http://schemas.microsoft.com/office/drawing/2014/main" id="{04553E12-98CF-4D6A-BC10-B849D464C295}"/>
+                <a16:creationId xmlns:a16="http://schemas.microsoft.com/office/drawing/2014/main" id="{FF54BBB2-32B9-492E-AF1F-EC714931D5FB}"/>
               </a:ext>
             </a:extLst>
           </p:cNvPr>
@@ -4612,7 +3956,7 @@
           <a:p>
             <a:fld id="{FAE2BBAC-252F-4619-AD4B-021D2BE96488}" type="datetimeFigureOut">
               <a:rPr lang="ko-KR" altLang="en-US" smtClean="0"/>
-              <a:t>2024-07-17</a:t>
+              <a:t>2024-07-18</a:t>
             </a:fld>
             <a:endParaRPr lang="ko-KR" altLang="en-US"/>
           </a:p>
@@ -4623,7 +3967,7 @@
           <p:cNvPr id="5" name="바닥글 개체 틀 4">
             <a:extLst>
               <a:ext uri="{FF2B5EF4-FFF2-40B4-BE49-F238E27FC236}">
-                <a16:creationId xmlns:a16="http://schemas.microsoft.com/office/drawing/2014/main" id="{893CCEE2-4A92-4E97-930F-17A43B1F95F7}"/>
+                <a16:creationId xmlns:a16="http://schemas.microsoft.com/office/drawing/2014/main" id="{AA2A7E98-C16B-4669-9886-D379D61B3322}"/>
               </a:ext>
             </a:extLst>
           </p:cNvPr>
@@ -4648,7 +3992,7 @@
           <p:cNvPr id="6" name="슬라이드 번호 개체 틀 5">
             <a:extLst>
               <a:ext uri="{FF2B5EF4-FFF2-40B4-BE49-F238E27FC236}">
-                <a16:creationId xmlns:a16="http://schemas.microsoft.com/office/drawing/2014/main" id="{8AC9A507-333A-48B0-A675-638E9456B03E}"/>
+                <a16:creationId xmlns:a16="http://schemas.microsoft.com/office/drawing/2014/main" id="{1460DD41-6E1F-43D1-846D-F49DE966C571}"/>
               </a:ext>
             </a:extLst>
           </p:cNvPr>
@@ -4675,7 +4019,7 @@
     </p:spTree>
     <p:extLst>
       <p:ext uri="{BB962C8B-B14F-4D97-AF65-F5344CB8AC3E}">
-        <p14:creationId xmlns:p14="http://schemas.microsoft.com/office/powerpoint/2010/main" val="3370618584"/>
+        <p14:creationId xmlns:p14="http://schemas.microsoft.com/office/powerpoint/2010/main" val="1533457363"/>
       </p:ext>
     </p:extLst>
   </p:cSld>
@@ -4707,7 +4051,7 @@
           <p:cNvPr id="2" name="제목 1">
             <a:extLst>
               <a:ext uri="{FF2B5EF4-FFF2-40B4-BE49-F238E27FC236}">
-                <a16:creationId xmlns:a16="http://schemas.microsoft.com/office/drawing/2014/main" id="{BEB274B7-4B0A-4330-8125-F0F808BFDFB6}"/>
+                <a16:creationId xmlns:a16="http://schemas.microsoft.com/office/drawing/2014/main" id="{D7E4E4D4-1BA2-402F-8E69-EBDF56AB7E9D}"/>
               </a:ext>
             </a:extLst>
           </p:cNvPr>
@@ -4744,7 +4088,7 @@
           <p:cNvPr id="3" name="텍스트 개체 틀 2">
             <a:extLst>
               <a:ext uri="{FF2B5EF4-FFF2-40B4-BE49-F238E27FC236}">
-                <a16:creationId xmlns:a16="http://schemas.microsoft.com/office/drawing/2014/main" id="{5F5CC651-216E-4141-B842-58EE3CC9719D}"/>
+                <a16:creationId xmlns:a16="http://schemas.microsoft.com/office/drawing/2014/main" id="{01012007-73CD-4945-A323-160573256A92}"/>
               </a:ext>
             </a:extLst>
           </p:cNvPr>
@@ -4869,7 +4213,7 @@
           <p:cNvPr id="4" name="날짜 개체 틀 3">
             <a:extLst>
               <a:ext uri="{FF2B5EF4-FFF2-40B4-BE49-F238E27FC236}">
-                <a16:creationId xmlns:a16="http://schemas.microsoft.com/office/drawing/2014/main" id="{F7AA57A3-445D-4505-9C81-7FD5E28265F8}"/>
+                <a16:creationId xmlns:a16="http://schemas.microsoft.com/office/drawing/2014/main" id="{FAC6310E-C73D-4AC7-AEAF-49DEC5EA944B}"/>
               </a:ext>
             </a:extLst>
           </p:cNvPr>
@@ -4887,7 +4231,7 @@
           <a:p>
             <a:fld id="{FAE2BBAC-252F-4619-AD4B-021D2BE96488}" type="datetimeFigureOut">
               <a:rPr lang="ko-KR" altLang="en-US" smtClean="0"/>
-              <a:t>2024-07-17</a:t>
+              <a:t>2024-07-18</a:t>
             </a:fld>
             <a:endParaRPr lang="ko-KR" altLang="en-US"/>
           </a:p>
@@ -4898,7 +4242,7 @@
           <p:cNvPr id="5" name="바닥글 개체 틀 4">
             <a:extLst>
               <a:ext uri="{FF2B5EF4-FFF2-40B4-BE49-F238E27FC236}">
-                <a16:creationId xmlns:a16="http://schemas.microsoft.com/office/drawing/2014/main" id="{4D3ADCC9-C338-4729-8856-E9F455B7DA71}"/>
+                <a16:creationId xmlns:a16="http://schemas.microsoft.com/office/drawing/2014/main" id="{6B2FFC83-EE98-440B-A745-33CFCD61F350}"/>
               </a:ext>
             </a:extLst>
           </p:cNvPr>
@@ -4923,7 +4267,7 @@
           <p:cNvPr id="6" name="슬라이드 번호 개체 틀 5">
             <a:extLst>
               <a:ext uri="{FF2B5EF4-FFF2-40B4-BE49-F238E27FC236}">
-                <a16:creationId xmlns:a16="http://schemas.microsoft.com/office/drawing/2014/main" id="{F5DB001A-60F8-482D-8E2E-E373AD37AE06}"/>
+                <a16:creationId xmlns:a16="http://schemas.microsoft.com/office/drawing/2014/main" id="{32AB8DD1-16B8-4E24-B990-02A6591856B7}"/>
               </a:ext>
             </a:extLst>
           </p:cNvPr>
@@ -4950,7 +4294,7 @@
     </p:spTree>
     <p:extLst>
       <p:ext uri="{BB962C8B-B14F-4D97-AF65-F5344CB8AC3E}">
-        <p14:creationId xmlns:p14="http://schemas.microsoft.com/office/powerpoint/2010/main" val="3218699524"/>
+        <p14:creationId xmlns:p14="http://schemas.microsoft.com/office/powerpoint/2010/main" val="3643763291"/>
       </p:ext>
     </p:extLst>
   </p:cSld>
@@ -4982,7 +4326,7 @@
           <p:cNvPr id="2" name="제목 1">
             <a:extLst>
               <a:ext uri="{FF2B5EF4-FFF2-40B4-BE49-F238E27FC236}">
-                <a16:creationId xmlns:a16="http://schemas.microsoft.com/office/drawing/2014/main" id="{E0E9C261-916C-4968-A7C5-9A82AAD75F30}"/>
+                <a16:creationId xmlns:a16="http://schemas.microsoft.com/office/drawing/2014/main" id="{1DAE10EF-F8A7-4FFA-9B34-047912A3A39B}"/>
               </a:ext>
             </a:extLst>
           </p:cNvPr>
@@ -5010,7 +4354,7 @@
           <p:cNvPr id="3" name="내용 개체 틀 2">
             <a:extLst>
               <a:ext uri="{FF2B5EF4-FFF2-40B4-BE49-F238E27FC236}">
-                <a16:creationId xmlns:a16="http://schemas.microsoft.com/office/drawing/2014/main" id="{A486F8B9-883C-43E9-84BA-15ADB277CCFA}"/>
+                <a16:creationId xmlns:a16="http://schemas.microsoft.com/office/drawing/2014/main" id="{EFF48C59-371E-4A4D-B3D3-BEED26B3B6A6}"/>
               </a:ext>
             </a:extLst>
           </p:cNvPr>
@@ -5072,7 +4416,7 @@
           <p:cNvPr id="4" name="내용 개체 틀 3">
             <a:extLst>
               <a:ext uri="{FF2B5EF4-FFF2-40B4-BE49-F238E27FC236}">
-                <a16:creationId xmlns:a16="http://schemas.microsoft.com/office/drawing/2014/main" id="{0DC5A11A-704E-45B0-8C7D-7E805CA60F3B}"/>
+                <a16:creationId xmlns:a16="http://schemas.microsoft.com/office/drawing/2014/main" id="{911B8298-F543-4632-9A77-402858C785BB}"/>
               </a:ext>
             </a:extLst>
           </p:cNvPr>
@@ -5134,7 +4478,7 @@
           <p:cNvPr id="5" name="날짜 개체 틀 4">
             <a:extLst>
               <a:ext uri="{FF2B5EF4-FFF2-40B4-BE49-F238E27FC236}">
-                <a16:creationId xmlns:a16="http://schemas.microsoft.com/office/drawing/2014/main" id="{A5E1299D-46FC-4F11-B6A1-3D8AE9BFDC55}"/>
+                <a16:creationId xmlns:a16="http://schemas.microsoft.com/office/drawing/2014/main" id="{8FAF2EFB-ECCC-4ECC-8EAA-637831772D03}"/>
               </a:ext>
             </a:extLst>
           </p:cNvPr>
@@ -5152,7 +4496,7 @@
           <a:p>
             <a:fld id="{FAE2BBAC-252F-4619-AD4B-021D2BE96488}" type="datetimeFigureOut">
               <a:rPr lang="ko-KR" altLang="en-US" smtClean="0"/>
-              <a:t>2024-07-17</a:t>
+              <a:t>2024-07-18</a:t>
             </a:fld>
             <a:endParaRPr lang="ko-KR" altLang="en-US"/>
           </a:p>
@@ -5163,7 +4507,7 @@
           <p:cNvPr id="6" name="바닥글 개체 틀 5">
             <a:extLst>
               <a:ext uri="{FF2B5EF4-FFF2-40B4-BE49-F238E27FC236}">
-                <a16:creationId xmlns:a16="http://schemas.microsoft.com/office/drawing/2014/main" id="{CE81DF6D-8E03-4ED5-A83F-A4BAD686FE14}"/>
+                <a16:creationId xmlns:a16="http://schemas.microsoft.com/office/drawing/2014/main" id="{B4121DAB-70C5-4ECC-80A6-4D5C30706C34}"/>
               </a:ext>
             </a:extLst>
           </p:cNvPr>
@@ -5188,7 +4532,7 @@
           <p:cNvPr id="7" name="슬라이드 번호 개체 틀 6">
             <a:extLst>
               <a:ext uri="{FF2B5EF4-FFF2-40B4-BE49-F238E27FC236}">
-                <a16:creationId xmlns:a16="http://schemas.microsoft.com/office/drawing/2014/main" id="{9E128E73-ED2F-4B0C-95AE-0254EF686391}"/>
+                <a16:creationId xmlns:a16="http://schemas.microsoft.com/office/drawing/2014/main" id="{2D3A978E-9BE2-4C32-8D78-8BF38D73B499}"/>
               </a:ext>
             </a:extLst>
           </p:cNvPr>
@@ -5215,7 +4559,7 @@
     </p:spTree>
     <p:extLst>
       <p:ext uri="{BB962C8B-B14F-4D97-AF65-F5344CB8AC3E}">
-        <p14:creationId xmlns:p14="http://schemas.microsoft.com/office/powerpoint/2010/main" val="4031165486"/>
+        <p14:creationId xmlns:p14="http://schemas.microsoft.com/office/powerpoint/2010/main" val="2202617740"/>
       </p:ext>
     </p:extLst>
   </p:cSld>
@@ -5247,7 +4591,7 @@
           <p:cNvPr id="2" name="제목 1">
             <a:extLst>
               <a:ext uri="{FF2B5EF4-FFF2-40B4-BE49-F238E27FC236}">
-                <a16:creationId xmlns:a16="http://schemas.microsoft.com/office/drawing/2014/main" id="{29026302-E7BD-4B5C-A580-F042218B7BA6}"/>
+                <a16:creationId xmlns:a16="http://schemas.microsoft.com/office/drawing/2014/main" id="{BA0B7C6E-7AB4-453E-8B52-48A253D1A7C8}"/>
               </a:ext>
             </a:extLst>
           </p:cNvPr>
@@ -5280,7 +4624,7 @@
           <p:cNvPr id="3" name="텍스트 개체 틀 2">
             <a:extLst>
               <a:ext uri="{FF2B5EF4-FFF2-40B4-BE49-F238E27FC236}">
-                <a16:creationId xmlns:a16="http://schemas.microsoft.com/office/drawing/2014/main" id="{E42E8D78-BEFB-49BD-B9B3-12A27CA9443A}"/>
+                <a16:creationId xmlns:a16="http://schemas.microsoft.com/office/drawing/2014/main" id="{FCCE5C7E-671B-4C26-A490-163215318DF1}"/>
               </a:ext>
             </a:extLst>
           </p:cNvPr>
@@ -5351,7 +4695,7 @@
           <p:cNvPr id="4" name="내용 개체 틀 3">
             <a:extLst>
               <a:ext uri="{FF2B5EF4-FFF2-40B4-BE49-F238E27FC236}">
-                <a16:creationId xmlns:a16="http://schemas.microsoft.com/office/drawing/2014/main" id="{A040BCC6-6E7F-4F20-92B6-6C37E31B9F83}"/>
+                <a16:creationId xmlns:a16="http://schemas.microsoft.com/office/drawing/2014/main" id="{F08221AD-9106-48F5-8A43-DF34BB26DF4B}"/>
               </a:ext>
             </a:extLst>
           </p:cNvPr>
@@ -5413,7 +4757,7 @@
           <p:cNvPr id="5" name="텍스트 개체 틀 4">
             <a:extLst>
               <a:ext uri="{FF2B5EF4-FFF2-40B4-BE49-F238E27FC236}">
-                <a16:creationId xmlns:a16="http://schemas.microsoft.com/office/drawing/2014/main" id="{C5A0D2F7-F95F-41A5-8494-29518BE42693}"/>
+                <a16:creationId xmlns:a16="http://schemas.microsoft.com/office/drawing/2014/main" id="{20B31606-500C-41DE-AA98-58FB542239FB}"/>
               </a:ext>
             </a:extLst>
           </p:cNvPr>
@@ -5484,7 +4828,7 @@
           <p:cNvPr id="6" name="내용 개체 틀 5">
             <a:extLst>
               <a:ext uri="{FF2B5EF4-FFF2-40B4-BE49-F238E27FC236}">
-                <a16:creationId xmlns:a16="http://schemas.microsoft.com/office/drawing/2014/main" id="{47DA1675-3477-4203-84C2-DE37EAE9C17E}"/>
+                <a16:creationId xmlns:a16="http://schemas.microsoft.com/office/drawing/2014/main" id="{FD43A36F-A6B6-495D-8602-35E9223306C6}"/>
               </a:ext>
             </a:extLst>
           </p:cNvPr>
@@ -5546,7 +4890,7 @@
           <p:cNvPr id="7" name="날짜 개체 틀 6">
             <a:extLst>
               <a:ext uri="{FF2B5EF4-FFF2-40B4-BE49-F238E27FC236}">
-                <a16:creationId xmlns:a16="http://schemas.microsoft.com/office/drawing/2014/main" id="{786088A6-2981-4741-A4DA-16DC53EE19CE}"/>
+                <a16:creationId xmlns:a16="http://schemas.microsoft.com/office/drawing/2014/main" id="{2873AEC6-1E42-4902-93C6-A36B1EFB4B63}"/>
               </a:ext>
             </a:extLst>
           </p:cNvPr>
@@ -5564,7 +4908,7 @@
           <a:p>
             <a:fld id="{FAE2BBAC-252F-4619-AD4B-021D2BE96488}" type="datetimeFigureOut">
               <a:rPr lang="ko-KR" altLang="en-US" smtClean="0"/>
-              <a:t>2024-07-17</a:t>
+              <a:t>2024-07-18</a:t>
             </a:fld>
             <a:endParaRPr lang="ko-KR" altLang="en-US"/>
           </a:p>
@@ -5575,7 +4919,7 @@
           <p:cNvPr id="8" name="바닥글 개체 틀 7">
             <a:extLst>
               <a:ext uri="{FF2B5EF4-FFF2-40B4-BE49-F238E27FC236}">
-                <a16:creationId xmlns:a16="http://schemas.microsoft.com/office/drawing/2014/main" id="{BCE8F0F3-9D0A-4830-9567-C8B6E5AEDD6C}"/>
+                <a16:creationId xmlns:a16="http://schemas.microsoft.com/office/drawing/2014/main" id="{E9967C51-5AF1-433E-AF5C-BC4C930CC18C}"/>
               </a:ext>
             </a:extLst>
           </p:cNvPr>
@@ -5600,7 +4944,7 @@
           <p:cNvPr id="9" name="슬라이드 번호 개체 틀 8">
             <a:extLst>
               <a:ext uri="{FF2B5EF4-FFF2-40B4-BE49-F238E27FC236}">
-                <a16:creationId xmlns:a16="http://schemas.microsoft.com/office/drawing/2014/main" id="{E973A0A4-C1BE-42B0-8E89-680019E3B75E}"/>
+                <a16:creationId xmlns:a16="http://schemas.microsoft.com/office/drawing/2014/main" id="{F365CAC1-B553-4B08-9A3A-B19A3336F4AC}"/>
               </a:ext>
             </a:extLst>
           </p:cNvPr>
@@ -5627,7 +4971,7 @@
     </p:spTree>
     <p:extLst>
       <p:ext uri="{BB962C8B-B14F-4D97-AF65-F5344CB8AC3E}">
-        <p14:creationId xmlns:p14="http://schemas.microsoft.com/office/powerpoint/2010/main" val="3129797074"/>
+        <p14:creationId xmlns:p14="http://schemas.microsoft.com/office/powerpoint/2010/main" val="2958328500"/>
       </p:ext>
     </p:extLst>
   </p:cSld>
@@ -5659,7 +5003,7 @@
           <p:cNvPr id="2" name="제목 1">
             <a:extLst>
               <a:ext uri="{FF2B5EF4-FFF2-40B4-BE49-F238E27FC236}">
-                <a16:creationId xmlns:a16="http://schemas.microsoft.com/office/drawing/2014/main" id="{47014473-CE44-410C-AF32-EDA16CE6E33D}"/>
+                <a16:creationId xmlns:a16="http://schemas.microsoft.com/office/drawing/2014/main" id="{8EA65D32-B402-456D-95E1-A0D2D42D06C2}"/>
               </a:ext>
             </a:extLst>
           </p:cNvPr>
@@ -5687,7 +5031,7 @@
           <p:cNvPr id="3" name="날짜 개체 틀 2">
             <a:extLst>
               <a:ext uri="{FF2B5EF4-FFF2-40B4-BE49-F238E27FC236}">
-                <a16:creationId xmlns:a16="http://schemas.microsoft.com/office/drawing/2014/main" id="{F1E03A59-9243-440A-BA20-A70854FEE1FF}"/>
+                <a16:creationId xmlns:a16="http://schemas.microsoft.com/office/drawing/2014/main" id="{7593EC0C-0979-479C-8CB4-C9C6331FA7B0}"/>
               </a:ext>
             </a:extLst>
           </p:cNvPr>
@@ -5705,7 +5049,7 @@
           <a:p>
             <a:fld id="{FAE2BBAC-252F-4619-AD4B-021D2BE96488}" type="datetimeFigureOut">
               <a:rPr lang="ko-KR" altLang="en-US" smtClean="0"/>
-              <a:t>2024-07-17</a:t>
+              <a:t>2024-07-18</a:t>
             </a:fld>
             <a:endParaRPr lang="ko-KR" altLang="en-US"/>
           </a:p>
@@ -5716,7 +5060,7 @@
           <p:cNvPr id="4" name="바닥글 개체 틀 3">
             <a:extLst>
               <a:ext uri="{FF2B5EF4-FFF2-40B4-BE49-F238E27FC236}">
-                <a16:creationId xmlns:a16="http://schemas.microsoft.com/office/drawing/2014/main" id="{E069BC23-078F-4D0F-A439-07F558AC10E0}"/>
+                <a16:creationId xmlns:a16="http://schemas.microsoft.com/office/drawing/2014/main" id="{89BB4BF6-2B0D-456B-A021-3504ECC5384E}"/>
               </a:ext>
             </a:extLst>
           </p:cNvPr>
@@ -5741,7 +5085,7 @@
           <p:cNvPr id="5" name="슬라이드 번호 개체 틀 4">
             <a:extLst>
               <a:ext uri="{FF2B5EF4-FFF2-40B4-BE49-F238E27FC236}">
-                <a16:creationId xmlns:a16="http://schemas.microsoft.com/office/drawing/2014/main" id="{CD8CA77F-57F1-468D-9DEF-D16DD23EB9D2}"/>
+                <a16:creationId xmlns:a16="http://schemas.microsoft.com/office/drawing/2014/main" id="{0652A3A8-A28E-4E60-91FD-DE6348046FF4}"/>
               </a:ext>
             </a:extLst>
           </p:cNvPr>
@@ -5768,7 +5112,7 @@
     </p:spTree>
     <p:extLst>
       <p:ext uri="{BB962C8B-B14F-4D97-AF65-F5344CB8AC3E}">
-        <p14:creationId xmlns:p14="http://schemas.microsoft.com/office/powerpoint/2010/main" val="1014919479"/>
+        <p14:creationId xmlns:p14="http://schemas.microsoft.com/office/powerpoint/2010/main" val="4063813359"/>
       </p:ext>
     </p:extLst>
   </p:cSld>
@@ -5800,7 +5144,7 @@
           <p:cNvPr id="2" name="날짜 개체 틀 1">
             <a:extLst>
               <a:ext uri="{FF2B5EF4-FFF2-40B4-BE49-F238E27FC236}">
-                <a16:creationId xmlns:a16="http://schemas.microsoft.com/office/drawing/2014/main" id="{FC6C0D05-254C-49A4-80DA-9AE2F1A63DF9}"/>
+                <a16:creationId xmlns:a16="http://schemas.microsoft.com/office/drawing/2014/main" id="{3FAE6DBC-0A35-48B5-8DB9-37E0E9D28759}"/>
               </a:ext>
             </a:extLst>
           </p:cNvPr>
@@ -5818,7 +5162,7 @@
           <a:p>
             <a:fld id="{FAE2BBAC-252F-4619-AD4B-021D2BE96488}" type="datetimeFigureOut">
               <a:rPr lang="ko-KR" altLang="en-US" smtClean="0"/>
-              <a:t>2024-07-17</a:t>
+              <a:t>2024-07-18</a:t>
             </a:fld>
             <a:endParaRPr lang="ko-KR" altLang="en-US"/>
           </a:p>
@@ -5829,7 +5173,7 @@
           <p:cNvPr id="3" name="바닥글 개체 틀 2">
             <a:extLst>
               <a:ext uri="{FF2B5EF4-FFF2-40B4-BE49-F238E27FC236}">
-                <a16:creationId xmlns:a16="http://schemas.microsoft.com/office/drawing/2014/main" id="{D5266CC4-EF5E-423C-B17F-FBCD77D40153}"/>
+                <a16:creationId xmlns:a16="http://schemas.microsoft.com/office/drawing/2014/main" id="{46197998-F6B9-4578-879E-8B2B0D8D00B4}"/>
               </a:ext>
             </a:extLst>
           </p:cNvPr>
@@ -5854,7 +5198,7 @@
           <p:cNvPr id="4" name="슬라이드 번호 개체 틀 3">
             <a:extLst>
               <a:ext uri="{FF2B5EF4-FFF2-40B4-BE49-F238E27FC236}">
-                <a16:creationId xmlns:a16="http://schemas.microsoft.com/office/drawing/2014/main" id="{2A367D25-77FE-4C92-BE57-DA107A6D2A6F}"/>
+                <a16:creationId xmlns:a16="http://schemas.microsoft.com/office/drawing/2014/main" id="{385F64B0-F072-40BC-ACE7-58B1C9719411}"/>
               </a:ext>
             </a:extLst>
           </p:cNvPr>
@@ -5881,7 +5225,7 @@
     </p:spTree>
     <p:extLst>
       <p:ext uri="{BB962C8B-B14F-4D97-AF65-F5344CB8AC3E}">
-        <p14:creationId xmlns:p14="http://schemas.microsoft.com/office/powerpoint/2010/main" val="1516043099"/>
+        <p14:creationId xmlns:p14="http://schemas.microsoft.com/office/powerpoint/2010/main" val="1464245694"/>
       </p:ext>
     </p:extLst>
   </p:cSld>
@@ -5913,7 +5257,7 @@
           <p:cNvPr id="2" name="제목 1">
             <a:extLst>
               <a:ext uri="{FF2B5EF4-FFF2-40B4-BE49-F238E27FC236}">
-                <a16:creationId xmlns:a16="http://schemas.microsoft.com/office/drawing/2014/main" id="{F79F1EF0-6652-4172-99AB-60EBCC34D1AA}"/>
+                <a16:creationId xmlns:a16="http://schemas.microsoft.com/office/drawing/2014/main" id="{6B900DF9-05F1-4FB9-952B-47719BFB46BF}"/>
               </a:ext>
             </a:extLst>
           </p:cNvPr>
@@ -5950,7 +5294,7 @@
           <p:cNvPr id="3" name="내용 개체 틀 2">
             <a:extLst>
               <a:ext uri="{FF2B5EF4-FFF2-40B4-BE49-F238E27FC236}">
-                <a16:creationId xmlns:a16="http://schemas.microsoft.com/office/drawing/2014/main" id="{76C9A46F-594F-40E7-AD71-C9FBB457ABFF}"/>
+                <a16:creationId xmlns:a16="http://schemas.microsoft.com/office/drawing/2014/main" id="{0AC05190-337D-4883-91B1-4978BD3575C2}"/>
               </a:ext>
             </a:extLst>
           </p:cNvPr>
@@ -6040,7 +5384,7 @@
           <p:cNvPr id="4" name="텍스트 개체 틀 3">
             <a:extLst>
               <a:ext uri="{FF2B5EF4-FFF2-40B4-BE49-F238E27FC236}">
-                <a16:creationId xmlns:a16="http://schemas.microsoft.com/office/drawing/2014/main" id="{E7BCAF5D-6963-405A-A8EB-096CC182535D}"/>
+                <a16:creationId xmlns:a16="http://schemas.microsoft.com/office/drawing/2014/main" id="{A6EA6C61-9E5C-45D4-AF0B-3A0BA535B395}"/>
               </a:ext>
             </a:extLst>
           </p:cNvPr>
@@ -6111,7 +5455,7 @@
           <p:cNvPr id="5" name="날짜 개체 틀 4">
             <a:extLst>
               <a:ext uri="{FF2B5EF4-FFF2-40B4-BE49-F238E27FC236}">
-                <a16:creationId xmlns:a16="http://schemas.microsoft.com/office/drawing/2014/main" id="{86E8511B-1FC0-4FEC-86BB-038FDD28B586}"/>
+                <a16:creationId xmlns:a16="http://schemas.microsoft.com/office/drawing/2014/main" id="{4445AE6A-13E8-4F58-9F90-862B87B459DA}"/>
               </a:ext>
             </a:extLst>
           </p:cNvPr>
@@ -6129,7 +5473,7 @@
           <a:p>
             <a:fld id="{FAE2BBAC-252F-4619-AD4B-021D2BE96488}" type="datetimeFigureOut">
               <a:rPr lang="ko-KR" altLang="en-US" smtClean="0"/>
-              <a:t>2024-07-17</a:t>
+              <a:t>2024-07-18</a:t>
             </a:fld>
             <a:endParaRPr lang="ko-KR" altLang="en-US"/>
           </a:p>
@@ -6140,7 +5484,7 @@
           <p:cNvPr id="6" name="바닥글 개체 틀 5">
             <a:extLst>
               <a:ext uri="{FF2B5EF4-FFF2-40B4-BE49-F238E27FC236}">
-                <a16:creationId xmlns:a16="http://schemas.microsoft.com/office/drawing/2014/main" id="{6B1F5DC8-38E8-4834-AB83-A2658A447082}"/>
+                <a16:creationId xmlns:a16="http://schemas.microsoft.com/office/drawing/2014/main" id="{8C7417F6-ABA2-44DA-9F27-3B2B83D43838}"/>
               </a:ext>
             </a:extLst>
           </p:cNvPr>
@@ -6165,7 +5509,7 @@
           <p:cNvPr id="7" name="슬라이드 번호 개체 틀 6">
             <a:extLst>
               <a:ext uri="{FF2B5EF4-FFF2-40B4-BE49-F238E27FC236}">
-                <a16:creationId xmlns:a16="http://schemas.microsoft.com/office/drawing/2014/main" id="{D056A7AC-A360-4351-8B78-E45EF1BC7F72}"/>
+                <a16:creationId xmlns:a16="http://schemas.microsoft.com/office/drawing/2014/main" id="{D8B833B7-39EC-48F1-99FB-748546C567B2}"/>
               </a:ext>
             </a:extLst>
           </p:cNvPr>
@@ -6192,7 +5536,7 @@
     </p:spTree>
     <p:extLst>
       <p:ext uri="{BB962C8B-B14F-4D97-AF65-F5344CB8AC3E}">
-        <p14:creationId xmlns:p14="http://schemas.microsoft.com/office/powerpoint/2010/main" val="2332084403"/>
+        <p14:creationId xmlns:p14="http://schemas.microsoft.com/office/powerpoint/2010/main" val="2151696992"/>
       </p:ext>
     </p:extLst>
   </p:cSld>
@@ -6224,7 +5568,7 @@
           <p:cNvPr id="2" name="제목 1">
             <a:extLst>
               <a:ext uri="{FF2B5EF4-FFF2-40B4-BE49-F238E27FC236}">
-                <a16:creationId xmlns:a16="http://schemas.microsoft.com/office/drawing/2014/main" id="{5929DCCC-9A19-4867-8709-9BC04C9673F5}"/>
+                <a16:creationId xmlns:a16="http://schemas.microsoft.com/office/drawing/2014/main" id="{02E7BB7C-B2A8-4100-884E-EE9F42C8A6B8}"/>
               </a:ext>
             </a:extLst>
           </p:cNvPr>
@@ -6261,7 +5605,7 @@
           <p:cNvPr id="3" name="그림 개체 틀 2">
             <a:extLst>
               <a:ext uri="{FF2B5EF4-FFF2-40B4-BE49-F238E27FC236}">
-                <a16:creationId xmlns:a16="http://schemas.microsoft.com/office/drawing/2014/main" id="{E45510F1-0A65-42C0-845F-404497AD9ED5}"/>
+                <a16:creationId xmlns:a16="http://schemas.microsoft.com/office/drawing/2014/main" id="{A06123C0-6B05-443C-A01A-AD04E18E7E74}"/>
               </a:ext>
             </a:extLst>
           </p:cNvPr>
@@ -6328,7 +5672,7 @@
           <p:cNvPr id="4" name="텍스트 개체 틀 3">
             <a:extLst>
               <a:ext uri="{FF2B5EF4-FFF2-40B4-BE49-F238E27FC236}">
-                <a16:creationId xmlns:a16="http://schemas.microsoft.com/office/drawing/2014/main" id="{B3EED4F2-1E72-418F-BDC2-84F020F52E83}"/>
+                <a16:creationId xmlns:a16="http://schemas.microsoft.com/office/drawing/2014/main" id="{78F3CA48-8FCE-4596-B4F2-2DFDF184018E}"/>
               </a:ext>
             </a:extLst>
           </p:cNvPr>
@@ -6399,7 +5743,7 @@
           <p:cNvPr id="5" name="날짜 개체 틀 4">
             <a:extLst>
               <a:ext uri="{FF2B5EF4-FFF2-40B4-BE49-F238E27FC236}">
-                <a16:creationId xmlns:a16="http://schemas.microsoft.com/office/drawing/2014/main" id="{E454ACB9-1223-4D09-9E5B-4345186B1CC8}"/>
+                <a16:creationId xmlns:a16="http://schemas.microsoft.com/office/drawing/2014/main" id="{F000209E-2D71-4755-B88F-3951284B3FEC}"/>
               </a:ext>
             </a:extLst>
           </p:cNvPr>
@@ -6417,7 +5761,7 @@
           <a:p>
             <a:fld id="{FAE2BBAC-252F-4619-AD4B-021D2BE96488}" type="datetimeFigureOut">
               <a:rPr lang="ko-KR" altLang="en-US" smtClean="0"/>
-              <a:t>2024-07-17</a:t>
+              <a:t>2024-07-18</a:t>
             </a:fld>
             <a:endParaRPr lang="ko-KR" altLang="en-US"/>
           </a:p>
@@ -6428,7 +5772,7 @@
           <p:cNvPr id="6" name="바닥글 개체 틀 5">
             <a:extLst>
               <a:ext uri="{FF2B5EF4-FFF2-40B4-BE49-F238E27FC236}">
-                <a16:creationId xmlns:a16="http://schemas.microsoft.com/office/drawing/2014/main" id="{583465BB-2DC8-4630-96F3-411050A6CE40}"/>
+                <a16:creationId xmlns:a16="http://schemas.microsoft.com/office/drawing/2014/main" id="{187E0C2A-A26A-47AE-9D24-95236CF147DD}"/>
               </a:ext>
             </a:extLst>
           </p:cNvPr>
@@ -6453,7 +5797,7 @@
           <p:cNvPr id="7" name="슬라이드 번호 개체 틀 6">
             <a:extLst>
               <a:ext uri="{FF2B5EF4-FFF2-40B4-BE49-F238E27FC236}">
-                <a16:creationId xmlns:a16="http://schemas.microsoft.com/office/drawing/2014/main" id="{859C2208-0B06-43E9-BF1F-9C050D548482}"/>
+                <a16:creationId xmlns:a16="http://schemas.microsoft.com/office/drawing/2014/main" id="{1634C675-B53C-463C-A451-6C71D2CFDC4F}"/>
               </a:ext>
             </a:extLst>
           </p:cNvPr>
@@ -6480,7 +5824,7 @@
     </p:spTree>
     <p:extLst>
       <p:ext uri="{BB962C8B-B14F-4D97-AF65-F5344CB8AC3E}">
-        <p14:creationId xmlns:p14="http://schemas.microsoft.com/office/powerpoint/2010/main" val="1356912860"/>
+        <p14:creationId xmlns:p14="http://schemas.microsoft.com/office/powerpoint/2010/main" val="1023592170"/>
       </p:ext>
     </p:extLst>
   </p:cSld>
@@ -6517,7 +5861,7 @@
           <p:cNvPr id="2" name="제목 개체 틀 1">
             <a:extLst>
               <a:ext uri="{FF2B5EF4-FFF2-40B4-BE49-F238E27FC236}">
-                <a16:creationId xmlns:a16="http://schemas.microsoft.com/office/drawing/2014/main" id="{DECABD8E-2A0D-4E92-AB89-88366920D0DA}"/>
+                <a16:creationId xmlns:a16="http://schemas.microsoft.com/office/drawing/2014/main" id="{ED3856DD-AE27-432E-B08F-6675D509DCB4}"/>
               </a:ext>
             </a:extLst>
           </p:cNvPr>
@@ -6555,7 +5899,7 @@
           <p:cNvPr id="3" name="텍스트 개체 틀 2">
             <a:extLst>
               <a:ext uri="{FF2B5EF4-FFF2-40B4-BE49-F238E27FC236}">
-                <a16:creationId xmlns:a16="http://schemas.microsoft.com/office/drawing/2014/main" id="{A126523D-0651-4026-9CA9-F10E39FD1298}"/>
+                <a16:creationId xmlns:a16="http://schemas.microsoft.com/office/drawing/2014/main" id="{0D62873C-0D22-426A-B370-7A3EC99F9993}"/>
               </a:ext>
             </a:extLst>
           </p:cNvPr>
@@ -6622,7 +5966,7 @@
           <p:cNvPr id="4" name="날짜 개체 틀 3">
             <a:extLst>
               <a:ext uri="{FF2B5EF4-FFF2-40B4-BE49-F238E27FC236}">
-                <a16:creationId xmlns:a16="http://schemas.microsoft.com/office/drawing/2014/main" id="{CCC56779-5290-4C37-BE4F-69D2619D988B}"/>
+                <a16:creationId xmlns:a16="http://schemas.microsoft.com/office/drawing/2014/main" id="{BC283615-1D7C-4B14-8DD7-3B28990DF574}"/>
               </a:ext>
             </a:extLst>
           </p:cNvPr>
@@ -6658,7 +6002,7 @@
           <a:p>
             <a:fld id="{FAE2BBAC-252F-4619-AD4B-021D2BE96488}" type="datetimeFigureOut">
               <a:rPr lang="ko-KR" altLang="en-US" smtClean="0"/>
-              <a:t>2024-07-17</a:t>
+              <a:t>2024-07-18</a:t>
             </a:fld>
             <a:endParaRPr lang="ko-KR" altLang="en-US"/>
           </a:p>
@@ -6669,7 +6013,7 @@
           <p:cNvPr id="5" name="바닥글 개체 틀 4">
             <a:extLst>
               <a:ext uri="{FF2B5EF4-FFF2-40B4-BE49-F238E27FC236}">
-                <a16:creationId xmlns:a16="http://schemas.microsoft.com/office/drawing/2014/main" id="{AEFEC507-1096-47FD-80A8-C54E67859E2B}"/>
+                <a16:creationId xmlns:a16="http://schemas.microsoft.com/office/drawing/2014/main" id="{D38A3A01-371A-42D2-B3C1-6FE458EAB724}"/>
               </a:ext>
             </a:extLst>
           </p:cNvPr>
@@ -6712,7 +6056,7 @@
           <p:cNvPr id="6" name="슬라이드 번호 개체 틀 5">
             <a:extLst>
               <a:ext uri="{FF2B5EF4-FFF2-40B4-BE49-F238E27FC236}">
-                <a16:creationId xmlns:a16="http://schemas.microsoft.com/office/drawing/2014/main" id="{265E1BBF-BFAF-4837-A3D6-B22E4F6EFCA6}"/>
+                <a16:creationId xmlns:a16="http://schemas.microsoft.com/office/drawing/2014/main" id="{5191CE1E-01CF-478E-AB1F-45F7A607C834}"/>
               </a:ext>
             </a:extLst>
           </p:cNvPr>
@@ -6757,23 +6101,23 @@
     </p:spTree>
     <p:extLst>
       <p:ext uri="{BB962C8B-B14F-4D97-AF65-F5344CB8AC3E}">
-        <p14:creationId xmlns:p14="http://schemas.microsoft.com/office/powerpoint/2010/main" val="2352862683"/>
+        <p14:creationId xmlns:p14="http://schemas.microsoft.com/office/powerpoint/2010/main" val="3299038304"/>
       </p:ext>
     </p:extLst>
   </p:cSld>
   <p:clrMap bg1="lt1" tx1="dk1" bg2="lt2" tx2="dk2" accent1="accent1" accent2="accent2" accent3="accent3" accent4="accent4" accent5="accent5" accent6="accent6" hlink="hlink" folHlink="folHlink"/>
   <p:sldLayoutIdLst>
-    <p:sldLayoutId id="2147483649" r:id="rId1"/>
-    <p:sldLayoutId id="2147483650" r:id="rId2"/>
-    <p:sldLayoutId id="2147483651" r:id="rId3"/>
-    <p:sldLayoutId id="2147483652" r:id="rId4"/>
-    <p:sldLayoutId id="2147483653" r:id="rId5"/>
-    <p:sldLayoutId id="2147483654" r:id="rId6"/>
-    <p:sldLayoutId id="2147483655" r:id="rId7"/>
-    <p:sldLayoutId id="2147483656" r:id="rId8"/>
-    <p:sldLayoutId id="2147483657" r:id="rId9"/>
-    <p:sldLayoutId id="2147483658" r:id="rId10"/>
-    <p:sldLayoutId id="2147483659" r:id="rId11"/>
+    <p:sldLayoutId id="2147483745" r:id="rId1"/>
+    <p:sldLayoutId id="2147483746" r:id="rId2"/>
+    <p:sldLayoutId id="2147483747" r:id="rId3"/>
+    <p:sldLayoutId id="2147483748" r:id="rId4"/>
+    <p:sldLayoutId id="2147483749" r:id="rId5"/>
+    <p:sldLayoutId id="2147483750" r:id="rId6"/>
+    <p:sldLayoutId id="2147483751" r:id="rId7"/>
+    <p:sldLayoutId id="2147483752" r:id="rId8"/>
+    <p:sldLayoutId id="2147483753" r:id="rId9"/>
+    <p:sldLayoutId id="2147483754" r:id="rId10"/>
+    <p:sldLayoutId id="2147483755" r:id="rId11"/>
   </p:sldLayoutIdLst>
   <p:txStyles>
     <p:titleStyle>
@@ -7158,8 +6502,207 @@
         </p:nvSpPr>
         <p:spPr>
           <a:xfrm>
-            <a:off x="838200" y="1253331"/>
-            <a:ext cx="10515600" cy="4351338"/>
+            <a:off x="838200" y="1983180"/>
+            <a:ext cx="10515600" cy="3886798"/>
+          </a:xfrm>
+        </p:spPr>
+        <p:txBody>
+          <a:bodyPr>
+            <a:normAutofit fontScale="85000" lnSpcReduction="20000"/>
+          </a:bodyPr>
+          <a:lstStyle/>
+          <a:p>
+            <a:pPr marL="0" indent="0" algn="ctr">
+              <a:buNone/>
+            </a:pPr>
+            <a:r>
+              <a:rPr lang="ko-KR" altLang="en-US" sz="5200" dirty="0"/>
+              <a:t> </a:t>
+            </a:r>
+            <a:r>
+              <a:rPr lang="ko-KR" altLang="en-US" sz="4600" dirty="0"/>
+              <a:t>＊결론＊</a:t>
+            </a:r>
+            <a:endParaRPr lang="en-US" altLang="ko-KR" sz="4600" dirty="0"/>
+          </a:p>
+          <a:p>
+            <a:pPr marL="0" indent="0" algn="ctr">
+              <a:buNone/>
+            </a:pPr>
+            <a:endParaRPr lang="en-US" altLang="ko-KR" sz="4600" dirty="0"/>
+          </a:p>
+          <a:p>
+            <a:pPr marL="0" indent="0" algn="ctr">
+              <a:buNone/>
+            </a:pPr>
+            <a:r>
+              <a:rPr lang="ko-KR" altLang="en-US" sz="4600" dirty="0"/>
+              <a:t>지역별 </a:t>
+            </a:r>
+            <a:r>
+              <a:rPr lang="en-US" altLang="ko-KR" sz="4600" dirty="0"/>
+              <a:t>GDP</a:t>
+            </a:r>
+            <a:r>
+              <a:rPr lang="ko-KR" altLang="en-US" sz="4600" dirty="0"/>
+              <a:t>는 올라갔는데</a:t>
+            </a:r>
+            <a:endParaRPr lang="en-US" altLang="ko-KR" sz="4600" dirty="0"/>
+          </a:p>
+          <a:p>
+            <a:pPr algn="ctr"/>
+            <a:endParaRPr lang="en-US" altLang="ko-KR" sz="4600" dirty="0"/>
+          </a:p>
+          <a:p>
+            <a:pPr marL="0" indent="0" algn="ctr">
+              <a:buNone/>
+            </a:pPr>
+            <a:r>
+              <a:rPr lang="ko-KR" altLang="en-US" sz="4600" dirty="0"/>
+              <a:t>범죄율이 올라가버렸다</a:t>
+            </a:r>
+            <a:endParaRPr lang="en-US" altLang="ko-KR" sz="4600" dirty="0"/>
+          </a:p>
+          <a:p>
+            <a:pPr marL="0" indent="0" algn="ctr">
+              <a:buNone/>
+            </a:pPr>
+            <a:endParaRPr lang="en-US" altLang="ko-KR" sz="4600" dirty="0"/>
+          </a:p>
+          <a:p>
+            <a:pPr marL="0" indent="0" algn="ctr">
+              <a:buNone/>
+            </a:pPr>
+            <a:r>
+              <a:rPr lang="ko-KR" altLang="en-US" sz="4600" dirty="0"/>
+              <a:t>아마도 코로나 때문인 것 같다</a:t>
+            </a:r>
+          </a:p>
+        </p:txBody>
+      </p:sp>
+      <p:sp>
+        <p:nvSpPr>
+          <p:cNvPr id="4" name="TextBox 3">
+            <a:extLst>
+              <a:ext uri="{FF2B5EF4-FFF2-40B4-BE49-F238E27FC236}">
+                <a16:creationId xmlns:a16="http://schemas.microsoft.com/office/drawing/2014/main" id="{6508CD4F-2971-4F7D-9634-11CEE383492B}"/>
+              </a:ext>
+            </a:extLst>
+          </p:cNvPr>
+          <p:cNvSpPr txBox="1"/>
+          <p:nvPr/>
+        </p:nvSpPr>
+        <p:spPr>
+          <a:xfrm>
+            <a:off x="838200" y="625825"/>
+            <a:ext cx="8187048" cy="707886"/>
+          </a:xfrm>
+          <a:prstGeom prst="rect">
+            <a:avLst/>
+          </a:prstGeom>
+          <a:noFill/>
+        </p:spPr>
+        <p:txBody>
+          <a:bodyPr wrap="square">
+            <a:spAutoFit/>
+          </a:bodyPr>
+          <a:lstStyle/>
+          <a:p>
+            <a:r>
+              <a:rPr lang="en-US" altLang="ko-KR" sz="4000" dirty="0"/>
+              <a:t>2. </a:t>
+            </a:r>
+            <a:r>
+              <a:rPr lang="ko-KR" altLang="en-US" sz="4000" dirty="0"/>
+              <a:t>범죄율과 지역별 </a:t>
+            </a:r>
+            <a:r>
+              <a:rPr lang="en-US" altLang="ko-KR" sz="4000" dirty="0"/>
+              <a:t>GDP</a:t>
+            </a:r>
+            <a:endParaRPr lang="ko-KR" altLang="en-US" sz="4000" dirty="0"/>
+          </a:p>
+        </p:txBody>
+      </p:sp>
+    </p:spTree>
+    <p:extLst>
+      <p:ext uri="{BB962C8B-B14F-4D97-AF65-F5344CB8AC3E}">
+        <p14:creationId xmlns:p14="http://schemas.microsoft.com/office/powerpoint/2010/main" val="1002960959"/>
+      </p:ext>
+    </p:extLst>
+  </p:cSld>
+  <p:clrMapOvr>
+    <a:masterClrMapping/>
+  </p:clrMapOvr>
+</p:sld>
+</file>
+
+<file path=ppt/slides/slide11.xml><?xml version="1.0" encoding="utf-8"?>
+<p:sld xmlns:a="http://schemas.openxmlformats.org/drawingml/2006/main" xmlns:r="http://schemas.openxmlformats.org/officeDocument/2006/relationships" xmlns:p="http://schemas.openxmlformats.org/presentationml/2006/main">
+  <p:cSld>
+    <p:spTree>
+      <p:nvGrpSpPr>
+        <p:cNvPr id="1" name=""/>
+        <p:cNvGrpSpPr/>
+        <p:nvPr/>
+      </p:nvGrpSpPr>
+      <p:grpSpPr>
+        <a:xfrm>
+          <a:off x="0" y="0"/>
+          <a:ext cx="0" cy="0"/>
+          <a:chOff x="0" y="0"/>
+          <a:chExt cx="0" cy="0"/>
+        </a:xfrm>
+      </p:grpSpPr>
+      <p:sp>
+        <p:nvSpPr>
+          <p:cNvPr id="2" name="제목 1">
+            <a:extLst>
+              <a:ext uri="{FF2B5EF4-FFF2-40B4-BE49-F238E27FC236}">
+                <a16:creationId xmlns:a16="http://schemas.microsoft.com/office/drawing/2014/main" id="{7FF6CA34-70B9-45D3-BCB1-EDD7067E3A4B}"/>
+              </a:ext>
+            </a:extLst>
+          </p:cNvPr>
+          <p:cNvSpPr>
+            <a:spLocks noGrp="1"/>
+          </p:cNvSpPr>
+          <p:nvPr>
+            <p:ph type="title"/>
+          </p:nvPr>
+        </p:nvSpPr>
+        <p:spPr/>
+        <p:txBody>
+          <a:bodyPr/>
+          <a:lstStyle/>
+          <a:p>
+            <a:pPr algn="ctr"/>
+            <a:r>
+              <a:rPr lang="ko-KR" altLang="en-US" dirty="0"/>
+              <a:t>최종결론</a:t>
+            </a:r>
+          </a:p>
+        </p:txBody>
+      </p:sp>
+      <p:sp>
+        <p:nvSpPr>
+          <p:cNvPr id="3" name="내용 개체 틀 2">
+            <a:extLst>
+              <a:ext uri="{FF2B5EF4-FFF2-40B4-BE49-F238E27FC236}">
+                <a16:creationId xmlns:a16="http://schemas.microsoft.com/office/drawing/2014/main" id="{38D64353-4B09-4EF2-9F08-DD60D27228D8}"/>
+              </a:ext>
+            </a:extLst>
+          </p:cNvPr>
+          <p:cNvSpPr>
+            <a:spLocks noGrp="1"/>
+          </p:cNvSpPr>
+          <p:nvPr>
+            <p:ph idx="1"/>
+          </p:nvPr>
+        </p:nvSpPr>
+        <p:spPr>
+          <a:xfrm>
+            <a:off x="1236023" y="2584264"/>
+            <a:ext cx="9059883" cy="3537466"/>
           </a:xfrm>
         </p:spPr>
         <p:txBody>
@@ -7168,71 +6711,17 @@
           </a:bodyPr>
           <a:lstStyle/>
           <a:p>
-            <a:pPr marL="0" indent="0" algn="ctr">
+            <a:pPr marL="0" indent="0">
               <a:buNone/>
             </a:pPr>
-            <a:r>
-              <a:rPr lang="ko-KR" altLang="en-US" sz="5400" dirty="0"/>
-              <a:t> 결론</a:t>
-            </a:r>
-            <a:endParaRPr lang="en-US" altLang="ko-KR" sz="5400" dirty="0"/>
-          </a:p>
-          <a:p>
-            <a:pPr marL="0" indent="0" algn="ctr">
-              <a:buNone/>
-            </a:pPr>
-            <a:endParaRPr lang="en-US" altLang="ko-KR" sz="5400" dirty="0"/>
-          </a:p>
-          <a:p>
-            <a:pPr marL="0" indent="0" algn="ctr">
-              <a:buNone/>
-            </a:pPr>
-            <a:r>
-              <a:rPr lang="ko-KR" altLang="en-US" sz="5400" dirty="0"/>
-              <a:t> </a:t>
-            </a:r>
-            <a:r>
-              <a:rPr lang="en-US" altLang="ko-KR" sz="5400" dirty="0"/>
-              <a:t> </a:t>
-            </a:r>
-            <a:r>
-              <a:rPr lang="ko-KR" altLang="en-US" sz="4400" dirty="0"/>
-              <a:t>범죄율과 지역별 </a:t>
-            </a:r>
-            <a:r>
-              <a:rPr lang="en-US" altLang="ko-KR" sz="4400" dirty="0"/>
-              <a:t>GDP</a:t>
-            </a:r>
-            <a:r>
-              <a:rPr lang="ko-KR" altLang="en-US" sz="4400" dirty="0"/>
-              <a:t>는 </a:t>
-            </a:r>
-            <a:endParaRPr lang="en-US" altLang="ko-KR" sz="4400" dirty="0"/>
-          </a:p>
-          <a:p>
-            <a:pPr algn="ctr"/>
-            <a:endParaRPr lang="en-US" altLang="ko-KR" sz="4400" dirty="0"/>
-          </a:p>
-          <a:p>
-            <a:pPr marL="0" indent="0" algn="ctr">
-              <a:buNone/>
-            </a:pPr>
-            <a:r>
-              <a:rPr lang="ko-KR" altLang="en-US" sz="4400" dirty="0"/>
-              <a:t>별 상관이 없다</a:t>
-            </a:r>
-            <a:r>
-              <a:rPr lang="en-US" altLang="ko-KR" sz="4400" dirty="0"/>
-              <a:t>!!!</a:t>
-            </a:r>
-            <a:endParaRPr lang="ko-KR" altLang="en-US" sz="4400" dirty="0"/>
+            <a:endParaRPr lang="ko-KR" altLang="en-US" dirty="0"/>
           </a:p>
         </p:txBody>
       </p:sp>
     </p:spTree>
     <p:extLst>
       <p:ext uri="{BB962C8B-B14F-4D97-AF65-F5344CB8AC3E}">
-        <p14:creationId xmlns:p14="http://schemas.microsoft.com/office/powerpoint/2010/main" val="1002960959"/>
+        <p14:creationId xmlns:p14="http://schemas.microsoft.com/office/powerpoint/2010/main" val="523445263"/>
       </p:ext>
     </p:extLst>
   </p:cSld>
@@ -7277,15 +6766,17 @@
         </p:nvSpPr>
         <p:spPr/>
         <p:txBody>
-          <a:bodyPr/>
+          <a:bodyPr>
+            <a:normAutofit/>
+          </a:bodyPr>
           <a:lstStyle/>
           <a:p>
             <a:r>
-              <a:rPr lang="en-US" altLang="ko-KR" dirty="0"/>
+              <a:rPr lang="en-US" altLang="ko-KR" sz="4000" dirty="0"/>
               <a:t>1. </a:t>
             </a:r>
             <a:r>
-              <a:rPr lang="ko-KR" altLang="en-US" dirty="0"/>
+              <a:rPr lang="ko-KR" altLang="en-US" sz="4000" dirty="0"/>
               <a:t>범죄율과 실업률</a:t>
             </a:r>
           </a:p>
@@ -7325,7 +6816,7 @@
                 <a:effectLst/>
                 <a:latin typeface="NotoR"/>
               </a:rPr>
-              <a:t> </a:t>
+              <a:t> － </a:t>
             </a:r>
             <a:r>
               <a:rPr lang="ko-KR" altLang="en-US" b="1" i="0" dirty="0" err="1">
@@ -7406,7 +6897,7 @@
                 <a:effectLst/>
                 <a:latin typeface="NotoR"/>
               </a:rPr>
-              <a:t> 절도</a:t>
+              <a:t> － 절도</a:t>
             </a:r>
             <a:r>
               <a:rPr lang="en-US" altLang="ko-KR" b="0" i="0" dirty="0">
@@ -7534,7 +7025,7 @@
                 <a:effectLst/>
                 <a:latin typeface="NotoR"/>
               </a:rPr>
-              <a:t> 나라마다 범죄의 규정과 집계방식이 달라 국가 간 범죄발생을 비교하기는 어렵다</a:t>
+              <a:t> － 나라마다 범죄의 규정과 집계방식이 달라 국가 간 범죄발생을 비교하기는 어렵다</a:t>
             </a:r>
             <a:r>
               <a:rPr lang="ko-KR" altLang="en-US" dirty="0">
@@ -7622,15 +7113,17 @@
         </p:nvSpPr>
         <p:spPr/>
         <p:txBody>
-          <a:bodyPr/>
+          <a:bodyPr>
+            <a:normAutofit/>
+          </a:bodyPr>
           <a:lstStyle/>
           <a:p>
             <a:r>
-              <a:rPr lang="en-US" altLang="ko-KR" dirty="0"/>
+              <a:rPr lang="en-US" altLang="ko-KR" sz="4000" dirty="0"/>
               <a:t>1. </a:t>
             </a:r>
             <a:r>
-              <a:rPr lang="ko-KR" altLang="en-US" dirty="0"/>
+              <a:rPr lang="ko-KR" altLang="en-US" sz="4000" dirty="0"/>
               <a:t>범죄율과 실업률</a:t>
             </a:r>
           </a:p>
@@ -7671,7 +7164,7 @@
                 <a:latin typeface="나눔고딕" pitchFamily="2" charset="-127"/>
                 <a:ea typeface="나눔고딕" pitchFamily="2" charset="-127"/>
               </a:rPr>
-              <a:t>실업률</a:t>
+              <a:t>－ 실업률</a:t>
             </a:r>
             <a:r>
               <a:rPr lang="en-US" altLang="ko-KR" b="1" i="0" dirty="0">
@@ -7758,7 +7251,7 @@
           <a:p>
             <a:r>
               <a:rPr lang="ko-KR" altLang="en-US" dirty="0"/>
-              <a:t>실업률이 올라갈수록 범죄율은 내려갈까</a:t>
+              <a:t>－ 실업률이 올라갈수록 범죄율은 내려갈까</a:t>
             </a:r>
             <a:r>
               <a:rPr lang="en-US" altLang="ko-KR" dirty="0"/>
@@ -7771,7 +7264,7 @@
           <a:p>
             <a:r>
               <a:rPr lang="ko-KR" altLang="en-US" dirty="0"/>
-              <a:t>지난 </a:t>
+              <a:t>－ 지난 </a:t>
             </a:r>
             <a:r>
               <a:rPr lang="en-US" altLang="ko-KR" dirty="0"/>
@@ -7824,10 +7317,10 @@
       </p:grpSpPr>
       <p:graphicFrame>
         <p:nvGraphicFramePr>
-          <p:cNvPr id="6" name="차트 5">
+          <p:cNvPr id="11" name="차트 10">
             <a:extLst>
               <a:ext uri="{FF2B5EF4-FFF2-40B4-BE49-F238E27FC236}">
-                <a16:creationId xmlns:a16="http://schemas.microsoft.com/office/drawing/2014/main" id="{E4136A79-B0BF-4B0E-9DA2-BE9D17547F59}"/>
+                <a16:creationId xmlns:a16="http://schemas.microsoft.com/office/drawing/2014/main" id="{56A4DF3C-A583-4C18-86C9-915F29ED15CF}"/>
               </a:ext>
             </a:extLst>
           </p:cNvPr>
@@ -7835,14 +7328,14 @@
           <p:nvPr>
             <p:extLst>
               <p:ext uri="{D42A27DB-BD31-4B8C-83A1-F6EECF244321}">
-                <p14:modId xmlns:p14="http://schemas.microsoft.com/office/powerpoint/2010/main" val="2007144511"/>
+                <p14:modId xmlns:p14="http://schemas.microsoft.com/office/powerpoint/2010/main" val="4244088940"/>
               </p:ext>
             </p:extLst>
           </p:nvPr>
         </p:nvGraphicFramePr>
         <p:xfrm>
-          <a:off x="611579" y="362197"/>
-          <a:ext cx="10557163" cy="6276109"/>
+          <a:off x="700644" y="712520"/>
+          <a:ext cx="10515600" cy="5425814"/>
         </p:xfrm>
         <a:graphic>
           <a:graphicData uri="http://schemas.openxmlformats.org/drawingml/2006/chart">
@@ -7853,7 +7346,7 @@
     </p:spTree>
     <p:extLst>
       <p:ext uri="{BB962C8B-B14F-4D97-AF65-F5344CB8AC3E}">
-        <p14:creationId xmlns:p14="http://schemas.microsoft.com/office/powerpoint/2010/main" val="2559427769"/>
+        <p14:creationId xmlns:p14="http://schemas.microsoft.com/office/powerpoint/2010/main" val="2581958452"/>
       </p:ext>
     </p:extLst>
   </p:cSld>
@@ -7898,12 +7391,14 @@
         </p:nvSpPr>
         <p:spPr>
           <a:xfrm>
-            <a:off x="838200" y="1929739"/>
+            <a:off x="838200" y="2396929"/>
             <a:ext cx="10515600" cy="3959937"/>
           </a:xfrm>
         </p:spPr>
         <p:txBody>
-          <a:bodyPr/>
+          <a:bodyPr>
+            <a:normAutofit/>
+          </a:bodyPr>
           <a:lstStyle/>
           <a:p>
             <a:pPr>
@@ -7911,31 +7406,73 @@
               <a:buChar char="-"/>
             </a:pPr>
             <a:r>
-              <a:rPr lang="en-US" altLang="ko-KR" dirty="0"/>
-              <a:t>2020</a:t>
-            </a:r>
-            <a:r>
-              <a:rPr lang="ko-KR" altLang="en-US" dirty="0"/>
-              <a:t>년에 코로나 때문에 실업률이 많이 올라갔다</a:t>
-            </a:r>
-            <a:r>
-              <a:rPr lang="en-US" altLang="ko-KR" dirty="0"/>
-              <a:t>.</a:t>
-            </a:r>
+              <a:rPr lang="en-US" altLang="ko-KR" dirty="0">
+                <a:latin typeface="한컴 고딕" panose="02000500000000000000" pitchFamily="2" charset="-127"/>
+                <a:ea typeface="한컴 고딕" panose="02000500000000000000" pitchFamily="2" charset="-127"/>
+              </a:rPr>
+              <a:t> 2020</a:t>
+            </a:r>
+            <a:r>
+              <a:rPr lang="ko-KR" altLang="en-US" dirty="0">
+                <a:latin typeface="한컴 고딕" panose="02000500000000000000" pitchFamily="2" charset="-127"/>
+                <a:ea typeface="한컴 고딕" panose="02000500000000000000" pitchFamily="2" charset="-127"/>
+              </a:rPr>
+              <a:t>년에 코로나 때문에 범죄율이 많이 떨어졌다가 </a:t>
+            </a:r>
+            <a:r>
+              <a:rPr lang="en-US" altLang="ko-KR" dirty="0">
+                <a:latin typeface="한컴 고딕" panose="02000500000000000000" pitchFamily="2" charset="-127"/>
+                <a:ea typeface="한컴 고딕" panose="02000500000000000000" pitchFamily="2" charset="-127"/>
+              </a:rPr>
+              <a:t>2022</a:t>
+            </a:r>
+            <a:r>
+              <a:rPr lang="ko-KR" altLang="en-US" dirty="0">
+                <a:latin typeface="한컴 고딕" panose="02000500000000000000" pitchFamily="2" charset="-127"/>
+                <a:ea typeface="한컴 고딕" panose="02000500000000000000" pitchFamily="2" charset="-127"/>
+              </a:rPr>
+              <a:t>년에 다시 올라갔다</a:t>
+            </a:r>
+            <a:endParaRPr lang="en-US" altLang="ko-KR" dirty="0">
+              <a:latin typeface="한컴 고딕" panose="02000500000000000000" pitchFamily="2" charset="-127"/>
+              <a:ea typeface="한컴 고딕" panose="02000500000000000000" pitchFamily="2" charset="-127"/>
+            </a:endParaRPr>
           </a:p>
           <a:p>
             <a:pPr>
               <a:buFontTx/>
               <a:buChar char="-"/>
             </a:pPr>
-            <a:endParaRPr lang="en-US" altLang="ko-KR" dirty="0"/>
+            <a:endParaRPr lang="en-US" altLang="ko-KR" dirty="0">
+              <a:latin typeface="한컴 고딕" panose="02000500000000000000" pitchFamily="2" charset="-127"/>
+              <a:ea typeface="한컴 고딕" panose="02000500000000000000" pitchFamily="2" charset="-127"/>
+            </a:endParaRPr>
           </a:p>
           <a:p>
             <a:pPr>
               <a:buFontTx/>
               <a:buChar char="-"/>
             </a:pPr>
-            <a:endParaRPr lang="en-US" altLang="ko-KR" dirty="0"/>
+            <a:r>
+              <a:rPr lang="ko-KR" altLang="en-US" dirty="0">
+                <a:latin typeface="한컴 고딕" panose="02000500000000000000" pitchFamily="2" charset="-127"/>
+                <a:ea typeface="한컴 고딕" panose="02000500000000000000" pitchFamily="2" charset="-127"/>
+              </a:rPr>
+              <a:t> 대체로 실업률이 낮아졌는데 범죄율은 올라가버렸다</a:t>
+            </a:r>
+            <a:endParaRPr lang="en-US" altLang="ko-KR" dirty="0">
+              <a:latin typeface="한컴 고딕" panose="02000500000000000000" pitchFamily="2" charset="-127"/>
+              <a:ea typeface="한컴 고딕" panose="02000500000000000000" pitchFamily="2" charset="-127"/>
+            </a:endParaRPr>
+          </a:p>
+          <a:p>
+            <a:pPr marL="0" indent="0">
+              <a:buNone/>
+            </a:pPr>
+            <a:endParaRPr lang="en-US" altLang="ko-KR" dirty="0">
+              <a:latin typeface="한컴 고딕" panose="02000500000000000000" pitchFamily="2" charset="-127"/>
+              <a:ea typeface="한컴 고딕" panose="02000500000000000000" pitchFamily="2" charset="-127"/>
+            </a:endParaRPr>
           </a:p>
           <a:p>
             <a:pPr>
@@ -7943,46 +7480,12 @@
               <a:buChar char="-"/>
             </a:pPr>
             <a:r>
-              <a:rPr lang="ko-KR" altLang="en-US" dirty="0"/>
-              <a:t>대체로 실업률이 떨어지면 범죄율도 같이 떨어지는 편이다</a:t>
-            </a:r>
-            <a:r>
-              <a:rPr lang="en-US" altLang="ko-KR" dirty="0"/>
-              <a:t>.</a:t>
-            </a:r>
-          </a:p>
-          <a:p>
-            <a:pPr>
-              <a:buFontTx/>
-              <a:buChar char="-"/>
-            </a:pPr>
-            <a:endParaRPr lang="en-US" altLang="ko-KR" dirty="0"/>
-          </a:p>
-          <a:p>
-            <a:pPr>
-              <a:buFontTx/>
-              <a:buChar char="-"/>
-            </a:pPr>
-            <a:endParaRPr lang="en-US" altLang="ko-KR" dirty="0"/>
-          </a:p>
-          <a:p>
-            <a:pPr>
-              <a:buFontTx/>
-              <a:buChar char="-"/>
-            </a:pPr>
-            <a:r>
-              <a:rPr lang="en-US" altLang="ko-KR" dirty="0"/>
-              <a:t> </a:t>
-            </a:r>
-            <a:r>
-              <a:rPr lang="ko-KR" altLang="en-US" dirty="0"/>
-              <a:t>의외로 제주도가 범죄율이 제일 높다</a:t>
-            </a:r>
-            <a:r>
-              <a:rPr lang="en-US" altLang="ko-KR" dirty="0"/>
-              <a:t>.</a:t>
-            </a:r>
-            <a:endParaRPr lang="ko-KR" altLang="en-US" dirty="0"/>
+              <a:rPr lang="ko-KR" altLang="en-US" dirty="0">
+                <a:latin typeface="한컴 고딕" panose="02000500000000000000" pitchFamily="2" charset="-127"/>
+                <a:ea typeface="한컴 고딕" panose="02000500000000000000" pitchFamily="2" charset="-127"/>
+              </a:rPr>
+              <a:t> 울산의 범죄율이 낮은 이유는 인구수의 감소 때문이라는 기사를 봄</a:t>
+            </a:r>
           </a:p>
         </p:txBody>
       </p:sp>
@@ -8001,7 +7504,7 @@
         <p:spPr>
           <a:xfrm>
             <a:off x="1082138" y="501134"/>
-            <a:ext cx="6095010" cy="769441"/>
+            <a:ext cx="6095010" cy="707886"/>
           </a:xfrm>
           <a:prstGeom prst="rect">
             <a:avLst/>
@@ -8015,11 +7518,11 @@
           <a:lstStyle/>
           <a:p>
             <a:r>
-              <a:rPr lang="en-US" altLang="ko-KR" sz="4400" dirty="0"/>
+              <a:rPr lang="en-US" altLang="ko-KR" sz="4000" dirty="0"/>
               <a:t>1. </a:t>
             </a:r>
             <a:r>
-              <a:rPr lang="ko-KR" altLang="en-US" sz="4400" dirty="0"/>
+              <a:rPr lang="ko-KR" altLang="en-US" sz="4000" dirty="0"/>
               <a:t>범죄율과 실업률</a:t>
             </a:r>
           </a:p>
@@ -8073,13 +7576,13 @@
         </p:nvSpPr>
         <p:spPr>
           <a:xfrm>
-            <a:off x="838200" y="1253331"/>
-            <a:ext cx="10515600" cy="4351338"/>
+            <a:off x="838200" y="1680841"/>
+            <a:ext cx="10515600" cy="4791209"/>
           </a:xfrm>
         </p:spPr>
         <p:txBody>
           <a:bodyPr>
-            <a:normAutofit lnSpcReduction="10000"/>
+            <a:normAutofit fontScale="92500" lnSpcReduction="20000"/>
           </a:bodyPr>
           <a:lstStyle/>
           <a:p>
@@ -8091,49 +7594,100 @@
             </a:pPr>
             <a:r>
               <a:rPr lang="ko-KR" altLang="en-US" sz="6000" dirty="0"/>
-              <a:t> 결론</a:t>
-            </a:r>
-            <a:endParaRPr lang="en-US" altLang="ko-KR" sz="6000" dirty="0"/>
+              <a:t> </a:t>
+            </a:r>
+            <a:r>
+              <a:rPr lang="ko-KR" altLang="en-US" sz="4600" dirty="0"/>
+              <a:t>＊결론＊</a:t>
+            </a:r>
+            <a:endParaRPr lang="en-US" altLang="ko-KR" sz="4600" dirty="0"/>
           </a:p>
           <a:p>
             <a:pPr marL="0" indent="0" algn="ctr">
               <a:buNone/>
             </a:pPr>
-            <a:endParaRPr lang="en-US" altLang="ko-KR" sz="4800" dirty="0"/>
+            <a:endParaRPr lang="en-US" altLang="ko-KR" sz="4600" dirty="0"/>
           </a:p>
           <a:p>
             <a:pPr marL="0" indent="0" algn="ctr">
               <a:buNone/>
             </a:pPr>
             <a:r>
-              <a:rPr lang="en-US" altLang="ko-KR" sz="4800" dirty="0"/>
-              <a:t> </a:t>
+              <a:rPr lang="ko-KR" altLang="en-US" sz="4600" dirty="0"/>
+              <a:t>실업률이 낮아졌는데</a:t>
+            </a:r>
+            <a:endParaRPr lang="en-US" altLang="ko-KR" sz="4600" dirty="0"/>
+          </a:p>
+          <a:p>
+            <a:pPr marL="0" indent="0" algn="ctr">
+              <a:buNone/>
+            </a:pPr>
+            <a:endParaRPr lang="en-US" altLang="ko-KR" sz="4600" dirty="0"/>
+          </a:p>
+          <a:p>
+            <a:pPr marL="0" indent="0" algn="ctr">
+              <a:buNone/>
+            </a:pPr>
+            <a:r>
+              <a:rPr lang="ko-KR" altLang="en-US" sz="4600" dirty="0"/>
+              <a:t>범죄율이 올라가버렸다</a:t>
+            </a:r>
+            <a:endParaRPr lang="en-US" altLang="ko-KR" sz="4600" dirty="0"/>
+          </a:p>
+          <a:p>
+            <a:pPr marL="0" indent="0" algn="ctr">
+              <a:buNone/>
+            </a:pPr>
+            <a:endParaRPr lang="en-US" altLang="ko-KR" sz="4600" dirty="0"/>
+          </a:p>
+          <a:p>
+            <a:pPr marL="0" indent="0" algn="ctr">
+              <a:buNone/>
+            </a:pPr>
+            <a:r>
+              <a:rPr lang="ko-KR" altLang="en-US" sz="4600" dirty="0"/>
+              <a:t>아마도 코로나 때문인 것 같다</a:t>
+            </a:r>
+            <a:endParaRPr lang="en-US" altLang="ko-KR" sz="4600" dirty="0"/>
+          </a:p>
+        </p:txBody>
+      </p:sp>
+      <p:sp>
+        <p:nvSpPr>
+          <p:cNvPr id="4" name="TextBox 3">
+            <a:extLst>
+              <a:ext uri="{FF2B5EF4-FFF2-40B4-BE49-F238E27FC236}">
+                <a16:creationId xmlns:a16="http://schemas.microsoft.com/office/drawing/2014/main" id="{38D7357A-8A63-469E-8AE1-655B7A8FED2D}"/>
+              </a:ext>
+            </a:extLst>
+          </p:cNvPr>
+          <p:cNvSpPr txBox="1"/>
+          <p:nvPr/>
+        </p:nvSpPr>
+        <p:spPr>
+          <a:xfrm>
+            <a:off x="1082138" y="501134"/>
+            <a:ext cx="6095010" cy="769441"/>
+          </a:xfrm>
+          <a:prstGeom prst="rect">
+            <a:avLst/>
+          </a:prstGeom>
+          <a:noFill/>
+        </p:spPr>
+        <p:txBody>
+          <a:bodyPr wrap="square">
+            <a:spAutoFit/>
+          </a:bodyPr>
+          <a:lstStyle/>
+          <a:p>
+            <a:r>
+              <a:rPr lang="en-US" altLang="ko-KR" sz="4400" dirty="0"/>
+              <a:t>1. </a:t>
             </a:r>
             <a:r>
               <a:rPr lang="ko-KR" altLang="en-US" sz="4400" dirty="0"/>
-              <a:t>범죄율이 낮아지면  </a:t>
-            </a:r>
-            <a:endParaRPr lang="en-US" altLang="ko-KR" sz="4400" dirty="0"/>
-          </a:p>
-          <a:p>
-            <a:pPr marL="0" indent="0" algn="ctr">
-              <a:buNone/>
-            </a:pPr>
-            <a:endParaRPr lang="en-US" altLang="ko-KR" sz="4400" dirty="0"/>
-          </a:p>
-          <a:p>
-            <a:pPr marL="0" indent="0" algn="ctr">
-              <a:buNone/>
-            </a:pPr>
-            <a:r>
-              <a:rPr lang="ko-KR" altLang="en-US" sz="4400" dirty="0"/>
-              <a:t>   실업률도 어느정도 낮아진다</a:t>
-            </a:r>
-            <a:r>
-              <a:rPr lang="en-US" altLang="ko-KR" sz="4400" dirty="0"/>
-              <a:t>!!</a:t>
-            </a:r>
-            <a:endParaRPr lang="ko-KR" altLang="en-US" sz="4400" dirty="0"/>
+              <a:t>범죄율과 실업률</a:t>
+            </a:r>
           </a:p>
         </p:txBody>
       </p:sp>
@@ -8185,22 +7739,24 @@
         </p:nvSpPr>
         <p:spPr/>
         <p:txBody>
-          <a:bodyPr/>
+          <a:bodyPr>
+            <a:normAutofit/>
+          </a:bodyPr>
           <a:lstStyle/>
           <a:p>
             <a:r>
-              <a:rPr lang="en-US" altLang="ko-KR" dirty="0"/>
+              <a:rPr lang="en-US" altLang="ko-KR" sz="4000" dirty="0"/>
               <a:t>2. </a:t>
             </a:r>
             <a:r>
-              <a:rPr lang="ko-KR" altLang="en-US" dirty="0"/>
+              <a:rPr lang="ko-KR" altLang="en-US" sz="4000" dirty="0"/>
               <a:t>범죄율과 지역별 </a:t>
             </a:r>
             <a:r>
-              <a:rPr lang="en-US" altLang="ko-KR" dirty="0"/>
+              <a:rPr lang="en-US" altLang="ko-KR" sz="4000" dirty="0"/>
               <a:t>GDP</a:t>
             </a:r>
-            <a:endParaRPr lang="ko-KR" altLang="en-US" dirty="0"/>
+            <a:endParaRPr lang="ko-KR" altLang="en-US" sz="4000" dirty="0"/>
           </a:p>
         </p:txBody>
       </p:sp>
@@ -8489,10 +8045,10 @@
       </p:grpSpPr>
       <p:graphicFrame>
         <p:nvGraphicFramePr>
-          <p:cNvPr id="7" name="차트 6">
+          <p:cNvPr id="5" name="차트 4">
             <a:extLst>
               <a:ext uri="{FF2B5EF4-FFF2-40B4-BE49-F238E27FC236}">
-                <a16:creationId xmlns:a16="http://schemas.microsoft.com/office/drawing/2014/main" id="{A4E1BF5A-06C9-4E43-9868-8F41AB8D0FF7}"/>
+                <a16:creationId xmlns:a16="http://schemas.microsoft.com/office/drawing/2014/main" id="{57A30B41-8832-4F2C-AE92-AADD63D26BCE}"/>
               </a:ext>
             </a:extLst>
           </p:cNvPr>
@@ -8500,14 +8056,14 @@
           <p:nvPr>
             <p:extLst>
               <p:ext uri="{D42A27DB-BD31-4B8C-83A1-F6EECF244321}">
-                <p14:modId xmlns:p14="http://schemas.microsoft.com/office/powerpoint/2010/main" val="44488040"/>
+                <p14:modId xmlns:p14="http://schemas.microsoft.com/office/powerpoint/2010/main" val="2733013322"/>
               </p:ext>
             </p:extLst>
           </p:nvPr>
         </p:nvGraphicFramePr>
         <p:xfrm>
-          <a:off x="714375" y="364332"/>
-          <a:ext cx="10894219" cy="6157912"/>
+          <a:off x="730332" y="516576"/>
+          <a:ext cx="10539351" cy="5824847"/>
         </p:xfrm>
         <a:graphic>
           <a:graphicData uri="http://schemas.openxmlformats.org/drawingml/2006/chart">
@@ -8614,10 +8170,7 @@
               <a:rPr lang="ko-KR" altLang="en-US" dirty="0"/>
               <a:t>가 낮다고 범죄율이 높은 것은 아니다</a:t>
             </a:r>
-            <a:r>
-              <a:rPr lang="en-US" altLang="ko-KR" dirty="0"/>
-              <a:t>.</a:t>
-            </a:r>
+            <a:endParaRPr lang="en-US" altLang="ko-KR" dirty="0"/>
           </a:p>
           <a:p>
             <a:pPr marL="0" indent="0">
@@ -8631,39 +8184,42 @@
               <a:buChar char="-"/>
             </a:pPr>
             <a:r>
-              <a:rPr lang="ko-KR" altLang="en-US" dirty="0"/>
-              <a:t>지역별 </a:t>
-            </a:r>
-            <a:r>
-              <a:rPr lang="en-US" altLang="ko-KR" dirty="0"/>
-              <a:t>GDP</a:t>
-            </a:r>
-            <a:r>
-              <a:rPr lang="ko-KR" altLang="en-US" dirty="0"/>
-              <a:t>가 증가했다고 해서 반드시 범죄율이 내려가는</a:t>
-            </a:r>
-            <a:endParaRPr lang="en-US" altLang="ko-KR" dirty="0"/>
-          </a:p>
-          <a:p>
-            <a:pPr marL="0" indent="0">
-              <a:buNone/>
-            </a:pPr>
-            <a:r>
-              <a:rPr lang="en-US" altLang="ko-KR" dirty="0"/>
-              <a:t>  </a:t>
-            </a:r>
-            <a:r>
-              <a:rPr lang="ko-KR" altLang="en-US" dirty="0"/>
-              <a:t>것도 아니었다</a:t>
-            </a:r>
-            <a:r>
-              <a:rPr lang="en-US" altLang="ko-KR" dirty="0"/>
-              <a:t>.</a:t>
-            </a:r>
-          </a:p>
-          <a:p>
-            <a:pPr marL="0" indent="0">
-              <a:buNone/>
+              <a:rPr lang="en-US" altLang="ko-KR" dirty="0">
+                <a:latin typeface="한컴 고딕" panose="02000500000000000000" pitchFamily="2" charset="-127"/>
+                <a:ea typeface="한컴 고딕" panose="02000500000000000000" pitchFamily="2" charset="-127"/>
+              </a:rPr>
+              <a:t>2020</a:t>
+            </a:r>
+            <a:r>
+              <a:rPr lang="ko-KR" altLang="en-US" dirty="0">
+                <a:latin typeface="한컴 고딕" panose="02000500000000000000" pitchFamily="2" charset="-127"/>
+                <a:ea typeface="한컴 고딕" panose="02000500000000000000" pitchFamily="2" charset="-127"/>
+              </a:rPr>
+              <a:t>년에 코로나 때문에 범죄율이 많이 떨어졌다가 </a:t>
+            </a:r>
+            <a:r>
+              <a:rPr lang="en-US" altLang="ko-KR" dirty="0">
+                <a:latin typeface="한컴 고딕" panose="02000500000000000000" pitchFamily="2" charset="-127"/>
+                <a:ea typeface="한컴 고딕" panose="02000500000000000000" pitchFamily="2" charset="-127"/>
+              </a:rPr>
+              <a:t>2022</a:t>
+            </a:r>
+            <a:r>
+              <a:rPr lang="ko-KR" altLang="en-US" dirty="0">
+                <a:latin typeface="한컴 고딕" panose="02000500000000000000" pitchFamily="2" charset="-127"/>
+                <a:ea typeface="한컴 고딕" panose="02000500000000000000" pitchFamily="2" charset="-127"/>
+              </a:rPr>
+              <a:t>년에 다시 올라갔다</a:t>
+            </a:r>
+            <a:endParaRPr lang="en-US" altLang="ko-KR" dirty="0">
+              <a:latin typeface="한컴 고딕" panose="02000500000000000000" pitchFamily="2" charset="-127"/>
+              <a:ea typeface="한컴 고딕" panose="02000500000000000000" pitchFamily="2" charset="-127"/>
+            </a:endParaRPr>
+          </a:p>
+          <a:p>
+            <a:pPr>
+              <a:buFontTx/>
+              <a:buChar char="-"/>
             </a:pPr>
             <a:endParaRPr lang="en-US" altLang="ko-KR" dirty="0"/>
           </a:p>
@@ -8685,7 +8241,7 @@
             </a:r>
             <a:r>
               <a:rPr lang="ko-KR" altLang="en-US" dirty="0"/>
-              <a:t>경기 빼고는 </a:t>
+              <a:t>경기지역은 다른 지역과 </a:t>
             </a:r>
             <a:r>
               <a:rPr lang="en-US" altLang="ko-KR" dirty="0"/>
@@ -8695,15 +8251,6 @@
               <a:rPr lang="ko-KR" altLang="en-US" dirty="0"/>
               <a:t>차이가 많이 난다</a:t>
             </a:r>
-            <a:r>
-              <a:rPr lang="en-US" altLang="ko-KR" dirty="0"/>
-              <a:t>…</a:t>
-            </a:r>
-          </a:p>
-          <a:p>
-            <a:pPr marL="0" indent="0">
-              <a:buNone/>
-            </a:pPr>
             <a:endParaRPr lang="en-US" altLang="ko-KR" dirty="0"/>
           </a:p>
           <a:p>
@@ -8729,7 +8276,7 @@
         <p:spPr>
           <a:xfrm>
             <a:off x="838199" y="625825"/>
-            <a:ext cx="8317675" cy="769441"/>
+            <a:ext cx="8317675" cy="707886"/>
           </a:xfrm>
           <a:prstGeom prst="rect">
             <a:avLst/>
@@ -8743,18 +8290,18 @@
           <a:lstStyle/>
           <a:p>
             <a:r>
-              <a:rPr lang="en-US" altLang="ko-KR" sz="4400" dirty="0"/>
+              <a:rPr lang="en-US" altLang="ko-KR" sz="4000" dirty="0"/>
               <a:t>2. </a:t>
             </a:r>
             <a:r>
-              <a:rPr lang="ko-KR" altLang="en-US" sz="4400" dirty="0"/>
+              <a:rPr lang="ko-KR" altLang="en-US" sz="4000" dirty="0"/>
               <a:t>범죄율과 지역별 </a:t>
             </a:r>
             <a:r>
-              <a:rPr lang="en-US" altLang="ko-KR" sz="4400" dirty="0"/>
+              <a:rPr lang="en-US" altLang="ko-KR" sz="4000" dirty="0"/>
               <a:t>GDP</a:t>
             </a:r>
-            <a:endParaRPr lang="ko-KR" altLang="en-US" sz="4400" dirty="0"/>
+            <a:endParaRPr lang="ko-KR" altLang="en-US" sz="4000" dirty="0"/>
           </a:p>
         </p:txBody>
       </p:sp>
